--- a/11. BI dan Big Data.pptx
+++ b/11. BI dan Big Data.pptx
@@ -6,11 +6,16 @@
   </p:sldMasterIdLst>
   <p:sldIdLst>
     <p:sldId id="256" r:id="rId2"/>
-    <p:sldId id="257" r:id="rId3"/>
-    <p:sldId id="261" r:id="rId4"/>
-    <p:sldId id="258" r:id="rId5"/>
-    <p:sldId id="259" r:id="rId6"/>
-    <p:sldId id="260" r:id="rId7"/>
+    <p:sldId id="266" r:id="rId3"/>
+    <p:sldId id="257" r:id="rId4"/>
+    <p:sldId id="261" r:id="rId5"/>
+    <p:sldId id="258" r:id="rId6"/>
+    <p:sldId id="259" r:id="rId7"/>
+    <p:sldId id="260" r:id="rId8"/>
+    <p:sldId id="263" r:id="rId9"/>
+    <p:sldId id="264" r:id="rId10"/>
+    <p:sldId id="262" r:id="rId11"/>
+    <p:sldId id="265" r:id="rId12"/>
   </p:sldIdLst>
   <p:sldSz cx="12192000" cy="6858000"/>
   <p:notesSz cx="6858000" cy="9144000"/>
@@ -109,6 +114,11 @@
       </a:defRPr>
     </a:lvl9pPr>
   </p:defaultTextStyle>
+  <p:extLst>
+    <p:ext uri="{EFAFB233-063F-42B5-8137-9DF3F51BA10A}">
+      <p15:sldGuideLst xmlns:p15="http://schemas.microsoft.com/office/powerpoint/2012/main"/>
+    </p:ext>
+  </p:extLst>
 </p:presentation>
 </file>
 
@@ -259,7 +269,7 @@
           <a:p>
             <a:fld id="{694CA1CE-C369-1A47-B85F-42832EE9C4D7}" type="datetimeFigureOut">
               <a:rPr lang="en-US" smtClean="0"/>
-              <a:t>1/2/25</a:t>
+              <a:t>1/6/25</a:t>
             </a:fld>
             <a:endParaRPr lang="en-US"/>
           </a:p>
@@ -457,7 +467,7 @@
           <a:p>
             <a:fld id="{694CA1CE-C369-1A47-B85F-42832EE9C4D7}" type="datetimeFigureOut">
               <a:rPr lang="en-US" smtClean="0"/>
-              <a:t>1/2/25</a:t>
+              <a:t>1/6/25</a:t>
             </a:fld>
             <a:endParaRPr lang="en-US"/>
           </a:p>
@@ -665,7 +675,7 @@
           <a:p>
             <a:fld id="{694CA1CE-C369-1A47-B85F-42832EE9C4D7}" type="datetimeFigureOut">
               <a:rPr lang="en-US" smtClean="0"/>
-              <a:t>1/2/25</a:t>
+              <a:t>1/6/25</a:t>
             </a:fld>
             <a:endParaRPr lang="en-US"/>
           </a:p>
@@ -863,7 +873,7 @@
           <a:p>
             <a:fld id="{694CA1CE-C369-1A47-B85F-42832EE9C4D7}" type="datetimeFigureOut">
               <a:rPr lang="en-US" smtClean="0"/>
-              <a:t>1/2/25</a:t>
+              <a:t>1/6/25</a:t>
             </a:fld>
             <a:endParaRPr lang="en-US"/>
           </a:p>
@@ -1138,7 +1148,7 @@
           <a:p>
             <a:fld id="{694CA1CE-C369-1A47-B85F-42832EE9C4D7}" type="datetimeFigureOut">
               <a:rPr lang="en-US" smtClean="0"/>
-              <a:t>1/2/25</a:t>
+              <a:t>1/6/25</a:t>
             </a:fld>
             <a:endParaRPr lang="en-US"/>
           </a:p>
@@ -1403,7 +1413,7 @@
           <a:p>
             <a:fld id="{694CA1CE-C369-1A47-B85F-42832EE9C4D7}" type="datetimeFigureOut">
               <a:rPr lang="en-US" smtClean="0"/>
-              <a:t>1/2/25</a:t>
+              <a:t>1/6/25</a:t>
             </a:fld>
             <a:endParaRPr lang="en-US"/>
           </a:p>
@@ -1815,7 +1825,7 @@
           <a:p>
             <a:fld id="{694CA1CE-C369-1A47-B85F-42832EE9C4D7}" type="datetimeFigureOut">
               <a:rPr lang="en-US" smtClean="0"/>
-              <a:t>1/2/25</a:t>
+              <a:t>1/6/25</a:t>
             </a:fld>
             <a:endParaRPr lang="en-US"/>
           </a:p>
@@ -1956,7 +1966,7 @@
           <a:p>
             <a:fld id="{694CA1CE-C369-1A47-B85F-42832EE9C4D7}" type="datetimeFigureOut">
               <a:rPr lang="en-US" smtClean="0"/>
-              <a:t>1/2/25</a:t>
+              <a:t>1/6/25</a:t>
             </a:fld>
             <a:endParaRPr lang="en-US"/>
           </a:p>
@@ -2069,7 +2079,7 @@
           <a:p>
             <a:fld id="{694CA1CE-C369-1A47-B85F-42832EE9C4D7}" type="datetimeFigureOut">
               <a:rPr lang="en-US" smtClean="0"/>
-              <a:t>1/2/25</a:t>
+              <a:t>1/6/25</a:t>
             </a:fld>
             <a:endParaRPr lang="en-US"/>
           </a:p>
@@ -2380,7 +2390,7 @@
           <a:p>
             <a:fld id="{694CA1CE-C369-1A47-B85F-42832EE9C4D7}" type="datetimeFigureOut">
               <a:rPr lang="en-US" smtClean="0"/>
-              <a:t>1/2/25</a:t>
+              <a:t>1/6/25</a:t>
             </a:fld>
             <a:endParaRPr lang="en-US"/>
           </a:p>
@@ -2668,7 +2678,7 @@
           <a:p>
             <a:fld id="{694CA1CE-C369-1A47-B85F-42832EE9C4D7}" type="datetimeFigureOut">
               <a:rPr lang="en-US" smtClean="0"/>
-              <a:t>1/2/25</a:t>
+              <a:t>1/6/25</a:t>
             </a:fld>
             <a:endParaRPr lang="en-US"/>
           </a:p>
@@ -2909,7 +2919,7 @@
           <a:p>
             <a:fld id="{694CA1CE-C369-1A47-B85F-42832EE9C4D7}" type="datetimeFigureOut">
               <a:rPr lang="en-US" smtClean="0"/>
-              <a:t>1/2/25</a:t>
+              <a:t>1/6/25</a:t>
             </a:fld>
             <a:endParaRPr lang="en-US"/>
           </a:p>
@@ -3408,6 +3418,484 @@
 </p:sld>
 </file>
 
+<file path=ppt/slides/slide10.xml><?xml version="1.0" encoding="utf-8"?>
+<p:sld xmlns:a="http://schemas.openxmlformats.org/drawingml/2006/main" xmlns:r="http://schemas.openxmlformats.org/officeDocument/2006/relationships" xmlns:p="http://schemas.openxmlformats.org/presentationml/2006/main">
+  <p:cSld>
+    <p:spTree>
+      <p:nvGrpSpPr>
+        <p:cNvPr id="1" name=""/>
+        <p:cNvGrpSpPr/>
+        <p:nvPr/>
+      </p:nvGrpSpPr>
+      <p:grpSpPr>
+        <a:xfrm>
+          <a:off x="0" y="0"/>
+          <a:ext cx="0" cy="0"/>
+          <a:chOff x="0" y="0"/>
+          <a:chExt cx="0" cy="0"/>
+        </a:xfrm>
+      </p:grpSpPr>
+      <p:sp>
+        <p:nvSpPr>
+          <p:cNvPr id="2" name="Title 1">
+            <a:extLst>
+              <a:ext uri="{FF2B5EF4-FFF2-40B4-BE49-F238E27FC236}">
+                <a16:creationId xmlns:a16="http://schemas.microsoft.com/office/drawing/2014/main" id="{4F554F30-BC17-3E99-75F6-AF107D7268BE}"/>
+              </a:ext>
+            </a:extLst>
+          </p:cNvPr>
+          <p:cNvSpPr>
+            <a:spLocks noGrp="1"/>
+          </p:cNvSpPr>
+          <p:nvPr>
+            <p:ph type="title"/>
+          </p:nvPr>
+        </p:nvSpPr>
+        <p:spPr/>
+        <p:txBody>
+          <a:bodyPr/>
+          <a:lstStyle/>
+          <a:p>
+            <a:r>
+              <a:rPr lang="en-ID" dirty="0" err="1"/>
+              <a:t>Perbedaan</a:t>
+            </a:r>
+            <a:r>
+              <a:rPr lang="en-ID" dirty="0"/>
+              <a:t> </a:t>
+            </a:r>
+            <a:r>
+              <a:rPr lang="en-ID" dirty="0" err="1"/>
+              <a:t>Fokus</a:t>
+            </a:r>
+            <a:r>
+              <a:rPr lang="en-ID" dirty="0"/>
+              <a:t> BI dan Big Data</a:t>
+            </a:r>
+            <a:endParaRPr lang="en-US" dirty="0"/>
+          </a:p>
+        </p:txBody>
+      </p:sp>
+      <p:pic>
+        <p:nvPicPr>
+          <p:cNvPr id="4" name="Picture 3">
+            <a:extLst>
+              <a:ext uri="{FF2B5EF4-FFF2-40B4-BE49-F238E27FC236}">
+                <a16:creationId xmlns:a16="http://schemas.microsoft.com/office/drawing/2014/main" id="{3B0A502F-265F-99F9-84E4-4B5FA4B62E31}"/>
+              </a:ext>
+            </a:extLst>
+          </p:cNvPr>
+          <p:cNvPicPr>
+            <a:picLocks noChangeAspect="1"/>
+          </p:cNvPicPr>
+          <p:nvPr/>
+        </p:nvPicPr>
+        <p:blipFill>
+          <a:blip r:embed="rId2"/>
+          <a:stretch>
+            <a:fillRect/>
+          </a:stretch>
+        </p:blipFill>
+        <p:spPr>
+          <a:xfrm>
+            <a:off x="745719" y="2200922"/>
+            <a:ext cx="10700562" cy="3682763"/>
+          </a:xfrm>
+          <a:prstGeom prst="rect">
+            <a:avLst/>
+          </a:prstGeom>
+        </p:spPr>
+      </p:pic>
+    </p:spTree>
+    <p:extLst>
+      <p:ext uri="{BB962C8B-B14F-4D97-AF65-F5344CB8AC3E}">
+        <p14:creationId xmlns:p14="http://schemas.microsoft.com/office/powerpoint/2010/main" val="3526203803"/>
+      </p:ext>
+    </p:extLst>
+  </p:cSld>
+  <p:clrMapOvr>
+    <a:masterClrMapping/>
+  </p:clrMapOvr>
+</p:sld>
+</file>
+
+<file path=ppt/slides/slide11.xml><?xml version="1.0" encoding="utf-8"?>
+<p:sld xmlns:a="http://schemas.openxmlformats.org/drawingml/2006/main" xmlns:r="http://schemas.openxmlformats.org/officeDocument/2006/relationships" xmlns:p="http://schemas.openxmlformats.org/presentationml/2006/main">
+  <p:cSld>
+    <p:spTree>
+      <p:nvGrpSpPr>
+        <p:cNvPr id="1" name=""/>
+        <p:cNvGrpSpPr/>
+        <p:nvPr/>
+      </p:nvGrpSpPr>
+      <p:grpSpPr>
+        <a:xfrm>
+          <a:off x="0" y="0"/>
+          <a:ext cx="0" cy="0"/>
+          <a:chOff x="0" y="0"/>
+          <a:chExt cx="0" cy="0"/>
+        </a:xfrm>
+      </p:grpSpPr>
+      <p:sp>
+        <p:nvSpPr>
+          <p:cNvPr id="2" name="Title 1">
+            <a:extLst>
+              <a:ext uri="{FF2B5EF4-FFF2-40B4-BE49-F238E27FC236}">
+                <a16:creationId xmlns:a16="http://schemas.microsoft.com/office/drawing/2014/main" id="{85A064EC-EA53-C5FD-64D0-785E39B7DAEF}"/>
+              </a:ext>
+            </a:extLst>
+          </p:cNvPr>
+          <p:cNvSpPr>
+            <a:spLocks noGrp="1"/>
+          </p:cNvSpPr>
+          <p:nvPr>
+            <p:ph type="title"/>
+          </p:nvPr>
+        </p:nvSpPr>
+        <p:spPr/>
+        <p:txBody>
+          <a:bodyPr/>
+          <a:lstStyle/>
+          <a:p>
+            <a:r>
+              <a:rPr lang="en-US" dirty="0"/>
+              <a:t>Kesimpulan</a:t>
+            </a:r>
+          </a:p>
+        </p:txBody>
+      </p:sp>
+      <p:sp>
+        <p:nvSpPr>
+          <p:cNvPr id="3" name="Content Placeholder 2">
+            <a:extLst>
+              <a:ext uri="{FF2B5EF4-FFF2-40B4-BE49-F238E27FC236}">
+                <a16:creationId xmlns:a16="http://schemas.microsoft.com/office/drawing/2014/main" id="{18F33EDB-FD7D-8C9A-442C-7052420D3283}"/>
+              </a:ext>
+            </a:extLst>
+          </p:cNvPr>
+          <p:cNvSpPr>
+            <a:spLocks noGrp="1"/>
+          </p:cNvSpPr>
+          <p:nvPr>
+            <p:ph idx="1"/>
+          </p:nvPr>
+        </p:nvSpPr>
+        <p:spPr/>
+        <p:txBody>
+          <a:bodyPr/>
+          <a:lstStyle/>
+          <a:p>
+            <a:r>
+              <a:rPr lang="en-ID" dirty="0"/>
+              <a:t>Big Data </a:t>
+            </a:r>
+            <a:r>
+              <a:rPr lang="en-ID" dirty="0" err="1"/>
+              <a:t>adalah</a:t>
+            </a:r>
+            <a:r>
+              <a:rPr lang="en-ID" dirty="0"/>
+              <a:t> </a:t>
+            </a:r>
+            <a:r>
+              <a:rPr lang="en-ID" dirty="0" err="1"/>
+              <a:t>fondasi</a:t>
+            </a:r>
+            <a:r>
+              <a:rPr lang="en-ID" dirty="0"/>
+              <a:t> </a:t>
+            </a:r>
+            <a:r>
+              <a:rPr lang="en-ID" dirty="0" err="1"/>
+              <a:t>utama</a:t>
+            </a:r>
+            <a:r>
+              <a:rPr lang="en-ID" dirty="0"/>
+              <a:t> </a:t>
+            </a:r>
+            <a:r>
+              <a:rPr lang="en-ID" dirty="0" err="1"/>
+              <a:t>untuk</a:t>
+            </a:r>
+            <a:r>
+              <a:rPr lang="en-ID" dirty="0"/>
+              <a:t> </a:t>
+            </a:r>
+            <a:r>
+              <a:rPr lang="en-ID" dirty="0" err="1"/>
+              <a:t>mendapatkan</a:t>
+            </a:r>
+            <a:r>
+              <a:rPr lang="en-ID" dirty="0"/>
+              <a:t> data </a:t>
+            </a:r>
+            <a:r>
+              <a:rPr lang="en-ID" dirty="0" err="1"/>
+              <a:t>mentah</a:t>
+            </a:r>
+            <a:r>
+              <a:rPr lang="en-ID" dirty="0"/>
+              <a:t>, </a:t>
+            </a:r>
+            <a:r>
+              <a:rPr lang="en-ID" dirty="0" err="1"/>
+              <a:t>sedangkan</a:t>
+            </a:r>
+            <a:r>
+              <a:rPr lang="en-ID" dirty="0"/>
+              <a:t> BI </a:t>
+            </a:r>
+            <a:r>
+              <a:rPr lang="en-ID" dirty="0" err="1"/>
+              <a:t>adalah</a:t>
+            </a:r>
+            <a:r>
+              <a:rPr lang="en-ID" dirty="0"/>
+              <a:t> </a:t>
+            </a:r>
+            <a:r>
+              <a:rPr lang="en-ID" dirty="0" err="1"/>
+              <a:t>alat</a:t>
+            </a:r>
+            <a:r>
+              <a:rPr lang="en-ID" dirty="0"/>
+              <a:t> yang </a:t>
+            </a:r>
+            <a:r>
+              <a:rPr lang="en-ID" dirty="0" err="1"/>
+              <a:t>digunakan</a:t>
+            </a:r>
+            <a:r>
+              <a:rPr lang="en-ID" dirty="0"/>
+              <a:t> </a:t>
+            </a:r>
+            <a:r>
+              <a:rPr lang="en-ID" dirty="0" err="1"/>
+              <a:t>untuk</a:t>
+            </a:r>
+            <a:r>
+              <a:rPr lang="en-ID" dirty="0"/>
+              <a:t> </a:t>
+            </a:r>
+            <a:r>
+              <a:rPr lang="en-ID" dirty="0" err="1"/>
+              <a:t>mengolah</a:t>
+            </a:r>
+            <a:r>
+              <a:rPr lang="en-ID" dirty="0"/>
+              <a:t> data </a:t>
+            </a:r>
+            <a:r>
+              <a:rPr lang="en-ID" dirty="0" err="1"/>
+              <a:t>ini</a:t>
+            </a:r>
+            <a:r>
+              <a:rPr lang="en-ID" dirty="0"/>
+              <a:t> </a:t>
+            </a:r>
+            <a:r>
+              <a:rPr lang="en-ID" dirty="0" err="1"/>
+              <a:t>menjadi</a:t>
+            </a:r>
+            <a:r>
+              <a:rPr lang="en-ID" dirty="0"/>
+              <a:t> </a:t>
+            </a:r>
+            <a:r>
+              <a:rPr lang="en-ID" dirty="0" err="1"/>
+              <a:t>wawasan</a:t>
+            </a:r>
+            <a:r>
+              <a:rPr lang="en-ID" dirty="0"/>
+              <a:t> yang </a:t>
+            </a:r>
+            <a:r>
+              <a:rPr lang="en-ID" dirty="0" err="1"/>
+              <a:t>dapat</a:t>
+            </a:r>
+            <a:r>
+              <a:rPr lang="en-ID" dirty="0"/>
+              <a:t> </a:t>
+            </a:r>
+            <a:r>
+              <a:rPr lang="en-ID" dirty="0" err="1"/>
+              <a:t>diterapkan</a:t>
+            </a:r>
+            <a:r>
+              <a:rPr lang="en-ID" dirty="0"/>
+              <a:t> </a:t>
+            </a:r>
+            <a:r>
+              <a:rPr lang="en-ID" dirty="0" err="1"/>
+              <a:t>dalam</a:t>
+            </a:r>
+            <a:r>
+              <a:rPr lang="en-ID" dirty="0"/>
+              <a:t> </a:t>
+            </a:r>
+            <a:r>
+              <a:rPr lang="en-ID" dirty="0" err="1"/>
+              <a:t>pengambilan</a:t>
+            </a:r>
+            <a:r>
+              <a:rPr lang="en-ID" dirty="0"/>
+              <a:t> </a:t>
+            </a:r>
+            <a:r>
+              <a:rPr lang="en-ID" dirty="0" err="1"/>
+              <a:t>keputusan</a:t>
+            </a:r>
+            <a:r>
+              <a:rPr lang="en-ID" dirty="0"/>
+              <a:t> </a:t>
+            </a:r>
+            <a:r>
+              <a:rPr lang="en-ID" dirty="0" err="1"/>
+              <a:t>bisnis</a:t>
+            </a:r>
+            <a:r>
+              <a:rPr lang="en-ID" dirty="0"/>
+              <a:t>. </a:t>
+            </a:r>
+          </a:p>
+          <a:p>
+            <a:r>
+              <a:rPr lang="en-ID" dirty="0" err="1"/>
+              <a:t>Kombinasi</a:t>
+            </a:r>
+            <a:r>
+              <a:rPr lang="en-ID" dirty="0"/>
+              <a:t> </a:t>
+            </a:r>
+            <a:r>
+              <a:rPr lang="en-ID" dirty="0" err="1"/>
+              <a:t>keduanya</a:t>
+            </a:r>
+            <a:r>
+              <a:rPr lang="en-ID" dirty="0"/>
+              <a:t> </a:t>
+            </a:r>
+            <a:r>
+              <a:rPr lang="en-ID" dirty="0" err="1"/>
+              <a:t>memberikan</a:t>
+            </a:r>
+            <a:r>
+              <a:rPr lang="en-ID" dirty="0"/>
+              <a:t> </a:t>
+            </a:r>
+            <a:r>
+              <a:rPr lang="en-ID" dirty="0" err="1"/>
+              <a:t>nilai</a:t>
+            </a:r>
+            <a:r>
+              <a:rPr lang="en-ID" dirty="0"/>
+              <a:t> </a:t>
+            </a:r>
+            <a:r>
+              <a:rPr lang="en-ID" dirty="0" err="1"/>
+              <a:t>strategis</a:t>
+            </a:r>
+            <a:r>
+              <a:rPr lang="en-ID" dirty="0"/>
+              <a:t> yang sangat </a:t>
+            </a:r>
+            <a:r>
+              <a:rPr lang="en-ID" dirty="0" err="1"/>
+              <a:t>besar</a:t>
+            </a:r>
+            <a:r>
+              <a:rPr lang="en-ID" dirty="0"/>
+              <a:t> </a:t>
+            </a:r>
+            <a:r>
+              <a:rPr lang="en-ID" dirty="0" err="1"/>
+              <a:t>bagi</a:t>
+            </a:r>
+            <a:r>
+              <a:rPr lang="en-ID" dirty="0"/>
+              <a:t> </a:t>
+            </a:r>
+            <a:r>
+              <a:rPr lang="en-ID" dirty="0" err="1"/>
+              <a:t>organisasi</a:t>
+            </a:r>
+            <a:r>
+              <a:rPr lang="en-ID" dirty="0"/>
+              <a:t>, </a:t>
+            </a:r>
+            <a:r>
+              <a:rPr lang="en-ID" dirty="0" err="1"/>
+              <a:t>memungkinkan</a:t>
+            </a:r>
+            <a:r>
+              <a:rPr lang="en-ID" dirty="0"/>
+              <a:t> </a:t>
+            </a:r>
+            <a:r>
+              <a:rPr lang="en-ID" dirty="0" err="1"/>
+              <a:t>mereka</a:t>
+            </a:r>
+            <a:r>
+              <a:rPr lang="en-ID" dirty="0"/>
+              <a:t> </a:t>
+            </a:r>
+            <a:r>
+              <a:rPr lang="en-ID" dirty="0" err="1"/>
+              <a:t>menjadi</a:t>
+            </a:r>
+            <a:r>
+              <a:rPr lang="en-ID" dirty="0"/>
+              <a:t> </a:t>
+            </a:r>
+            <a:r>
+              <a:rPr lang="en-ID" dirty="0" err="1"/>
+              <a:t>lebih</a:t>
+            </a:r>
+            <a:r>
+              <a:rPr lang="en-ID" dirty="0"/>
+              <a:t> </a:t>
+            </a:r>
+            <a:r>
+              <a:rPr lang="en-ID" dirty="0" err="1"/>
+              <a:t>kompetitif</a:t>
+            </a:r>
+            <a:r>
+              <a:rPr lang="en-ID" dirty="0"/>
+              <a:t>, </a:t>
+            </a:r>
+            <a:r>
+              <a:rPr lang="en-ID" dirty="0" err="1"/>
+              <a:t>inovatif</a:t>
+            </a:r>
+            <a:r>
+              <a:rPr lang="en-ID" dirty="0"/>
+              <a:t>, dan </a:t>
+            </a:r>
+            <a:r>
+              <a:rPr lang="en-ID" dirty="0" err="1"/>
+              <a:t>berbasis</a:t>
+            </a:r>
+            <a:r>
+              <a:rPr lang="en-ID" dirty="0"/>
+              <a:t> data.</a:t>
+            </a:r>
+            <a:endParaRPr lang="en-US" dirty="0"/>
+          </a:p>
+        </p:txBody>
+      </p:sp>
+    </p:spTree>
+    <p:extLst>
+      <p:ext uri="{BB962C8B-B14F-4D97-AF65-F5344CB8AC3E}">
+        <p14:creationId xmlns:p14="http://schemas.microsoft.com/office/powerpoint/2010/main" val="1393982006"/>
+      </p:ext>
+    </p:extLst>
+  </p:cSld>
+  <p:clrMapOvr>
+    <a:masterClrMapping/>
+  </p:clrMapOvr>
+</p:sld>
+</file>
+
 <file path=ppt/slides/slide2.xml><?xml version="1.0" encoding="utf-8"?>
 <p:sld xmlns:a="http://schemas.openxmlformats.org/drawingml/2006/main" xmlns:r="http://schemas.openxmlformats.org/officeDocument/2006/relationships" xmlns:p="http://schemas.openxmlformats.org/presentationml/2006/main">
   <p:cSld>
@@ -3430,7 +3918,7 @@
           <p:cNvPr id="2" name="Title 1">
             <a:extLst>
               <a:ext uri="{FF2B5EF4-FFF2-40B4-BE49-F238E27FC236}">
-                <a16:creationId xmlns:a16="http://schemas.microsoft.com/office/drawing/2014/main" id="{33964D84-21EE-00B3-D019-79C6DE27D0C4}"/>
+                <a16:creationId xmlns:a16="http://schemas.microsoft.com/office/drawing/2014/main" id="{C40F9E08-6B9C-78C0-BC2B-FFA9B8861FF3}"/>
               </a:ext>
             </a:extLst>
           </p:cNvPr>
@@ -3452,7 +3940,7 @@
             </a:r>
             <a:r>
               <a:rPr lang="en-ID" b="1" dirty="0"/>
-              <a:t> Business Intelligence (BI)</a:t>
+              <a:t> dan Peran</a:t>
             </a:r>
             <a:endParaRPr lang="en-US" dirty="0"/>
           </a:p>
@@ -3463,7 +3951,7 @@
           <p:cNvPr id="3" name="Content Placeholder 2">
             <a:extLst>
               <a:ext uri="{FF2B5EF4-FFF2-40B4-BE49-F238E27FC236}">
-                <a16:creationId xmlns:a16="http://schemas.microsoft.com/office/drawing/2014/main" id="{2943B943-D41B-7607-C7FA-E13A6DC5B5DD}"/>
+                <a16:creationId xmlns:a16="http://schemas.microsoft.com/office/drawing/2014/main" id="{27B57A48-FE07-6A46-D42F-CA9C0E6AEAEB}"/>
               </a:ext>
             </a:extLst>
           </p:cNvPr>
@@ -3476,12 +3964,25 @@
         </p:nvSpPr>
         <p:spPr/>
         <p:txBody>
-          <a:bodyPr/>
+          <a:bodyPr>
+            <a:normAutofit lnSpcReduction="10000"/>
+          </a:bodyPr>
           <a:lstStyle/>
           <a:p>
-            <a:r>
-              <a:rPr lang="en-ID" dirty="0"/>
-              <a:t>Business Intelligence (BI) </a:t>
+            <a:pPr>
+              <a:buFont typeface="Arial" panose="020B0604020202020204" pitchFamily="34" charset="0"/>
+              <a:buChar char="•"/>
+            </a:pPr>
+            <a:r>
+              <a:rPr lang="en-ID" b="1" dirty="0"/>
+              <a:t>Business Intelligence (BI):</a:t>
+            </a:r>
+            <a:br>
+              <a:rPr lang="en-ID" dirty="0"/>
+            </a:br>
+            <a:r>
+              <a:rPr lang="en-ID" dirty="0"/>
+              <a:t>BI </a:t>
             </a:r>
             <a:r>
               <a:rPr lang="en-ID" dirty="0" err="1"/>
@@ -3493,11 +3994,11 @@
             </a:r>
             <a:r>
               <a:rPr lang="en-ID" dirty="0" err="1"/>
-              <a:t>kumpulan</a:t>
-            </a:r>
-            <a:r>
-              <a:rPr lang="en-ID" dirty="0"/>
-              <a:t> proses, </a:t>
+              <a:t>sekumpulan</a:t>
+            </a:r>
+            <a:r>
+              <a:rPr lang="en-ID" dirty="0"/>
+              <a:t> </a:t>
             </a:r>
             <a:r>
               <a:rPr lang="en-ID" dirty="0" err="1"/>
@@ -3505,11 +4006,11 @@
             </a:r>
             <a:r>
               <a:rPr lang="en-ID" dirty="0"/>
-              <a:t>, dan </a:t>
-            </a:r>
-            <a:r>
-              <a:rPr lang="en-ID" dirty="0" err="1"/>
-              <a:t>alat</a:t>
+              <a:t>, proses, dan </a:t>
+            </a:r>
+            <a:r>
+              <a:rPr lang="en-ID" dirty="0" err="1"/>
+              <a:t>metode</a:t>
             </a:r>
             <a:r>
               <a:rPr lang="en-ID" dirty="0"/>
@@ -3533,19 +4034,19 @@
             </a:r>
             <a:r>
               <a:rPr lang="en-ID" dirty="0" err="1"/>
-              <a:t>mengumpulkan</a:t>
-            </a:r>
-            <a:r>
-              <a:rPr lang="en-ID" dirty="0"/>
-              <a:t>, </a:t>
-            </a:r>
-            <a:r>
-              <a:rPr lang="en-ID" dirty="0" err="1"/>
               <a:t>menganalisis</a:t>
             </a:r>
             <a:r>
               <a:rPr lang="en-ID" dirty="0"/>
-              <a:t>, dan </a:t>
+              <a:t> data </a:t>
+            </a:r>
+            <a:r>
+              <a:rPr lang="en-ID" dirty="0" err="1"/>
+              <a:t>bisnis</a:t>
+            </a:r>
+            <a:r>
+              <a:rPr lang="en-ID" dirty="0"/>
+              <a:t> dan </a:t>
             </a:r>
             <a:r>
               <a:rPr lang="en-ID" dirty="0" err="1"/>
@@ -3553,19 +4054,35 @@
             </a:r>
             <a:r>
               <a:rPr lang="en-ID" dirty="0"/>
-              <a:t> data </a:t>
-            </a:r>
-            <a:r>
-              <a:rPr lang="en-ID" dirty="0" err="1"/>
-              <a:t>bisnis</a:t>
-            </a:r>
-            <a:r>
-              <a:rPr lang="en-ID" dirty="0"/>
-              <a:t> agar </a:t>
-            </a:r>
-            <a:r>
-              <a:rPr lang="en-ID" dirty="0" err="1"/>
-              <a:t>mendukung</a:t>
+              <a:t> </a:t>
+            </a:r>
+            <a:r>
+              <a:rPr lang="en-ID" dirty="0" err="1"/>
+              <a:t>informasi</a:t>
+            </a:r>
+            <a:r>
+              <a:rPr lang="en-ID" dirty="0"/>
+              <a:t> yang </a:t>
+            </a:r>
+            <a:r>
+              <a:rPr lang="en-ID" dirty="0" err="1"/>
+              <a:t>dapat</a:t>
+            </a:r>
+            <a:r>
+              <a:rPr lang="en-ID" dirty="0"/>
+              <a:t> </a:t>
+            </a:r>
+            <a:r>
+              <a:rPr lang="en-ID" dirty="0" err="1"/>
+              <a:t>digunakan</a:t>
+            </a:r>
+            <a:r>
+              <a:rPr lang="en-ID" dirty="0"/>
+              <a:t> </a:t>
+            </a:r>
+            <a:r>
+              <a:rPr lang="en-ID" dirty="0" err="1"/>
+              <a:t>untuk</a:t>
             </a:r>
             <a:r>
               <a:rPr lang="en-ID" dirty="0"/>
@@ -3585,41 +4102,31 @@
             </a:r>
             <a:r>
               <a:rPr lang="en-ID" dirty="0"/>
-              <a:t> yang </a:t>
-            </a:r>
-            <a:r>
-              <a:rPr lang="en-ID" dirty="0" err="1"/>
-              <a:t>lebih</a:t>
-            </a:r>
-            <a:r>
-              <a:rPr lang="en-ID" dirty="0"/>
-              <a:t> </a:t>
-            </a:r>
-            <a:r>
-              <a:rPr lang="en-ID" dirty="0" err="1"/>
-              <a:t>baik</a:t>
-            </a:r>
-            <a:r>
-              <a:rPr lang="en-ID" dirty="0"/>
-              <a:t>.</a:t>
-            </a:r>
-          </a:p>
-          <a:p>
-            <a:r>
-              <a:rPr lang="en-ID" dirty="0"/>
-              <a:t>BI </a:t>
-            </a:r>
-            <a:r>
-              <a:rPr lang="en-ID" dirty="0" err="1"/>
-              <a:t>membantu</a:t>
-            </a:r>
-            <a:r>
-              <a:rPr lang="en-ID" dirty="0"/>
-              <a:t> </a:t>
-            </a:r>
-            <a:r>
-              <a:rPr lang="en-ID" dirty="0" err="1"/>
-              <a:t>organisasi</a:t>
+              <a:t>. BI </a:t>
+            </a:r>
+            <a:r>
+              <a:rPr lang="en-ID" dirty="0" err="1"/>
+              <a:t>fokus</a:t>
+            </a:r>
+            <a:r>
+              <a:rPr lang="en-ID" dirty="0"/>
+              <a:t> pada </a:t>
+            </a:r>
+            <a:r>
+              <a:rPr lang="en-ID" i="1" dirty="0"/>
+              <a:t>data </a:t>
+            </a:r>
+            <a:r>
+              <a:rPr lang="en-ID" i="1" dirty="0" err="1"/>
+              <a:t>historis</a:t>
+            </a:r>
+            <a:r>
+              <a:rPr lang="en-ID" dirty="0"/>
+              <a:t> </a:t>
+            </a:r>
+            <a:r>
+              <a:rPr lang="en-ID" dirty="0" err="1"/>
+              <a:t>untuk</a:t>
             </a:r>
             <a:r>
               <a:rPr lang="en-ID" dirty="0"/>
@@ -3639,169 +4146,11 @@
             </a:r>
             <a:r>
               <a:rPr lang="en-ID" dirty="0"/>
-              <a:t>, </a:t>
+              <a:t> dan </a:t>
             </a:r>
             <a:r>
               <a:rPr lang="en-ID" dirty="0" err="1"/>
               <a:t>pola</a:t>
-            </a:r>
-            <a:r>
-              <a:rPr lang="en-ID" dirty="0"/>
-              <a:t>, dan </a:t>
-            </a:r>
-            <a:r>
-              <a:rPr lang="en-ID" dirty="0" err="1"/>
-              <a:t>wawasan</a:t>
-            </a:r>
-            <a:r>
-              <a:rPr lang="en-ID" dirty="0"/>
-              <a:t> yang </a:t>
-            </a:r>
-            <a:r>
-              <a:rPr lang="en-ID" dirty="0" err="1"/>
-              <a:t>dapat</a:t>
-            </a:r>
-            <a:r>
-              <a:rPr lang="en-ID" dirty="0"/>
-              <a:t> </a:t>
-            </a:r>
-            <a:r>
-              <a:rPr lang="en-ID" dirty="0" err="1"/>
-              <a:t>meningkatkan</a:t>
-            </a:r>
-            <a:r>
-              <a:rPr lang="en-ID" dirty="0"/>
-              <a:t> </a:t>
-            </a:r>
-            <a:r>
-              <a:rPr lang="en-ID" dirty="0" err="1"/>
-              <a:t>efisiensi</a:t>
-            </a:r>
-            <a:r>
-              <a:rPr lang="en-ID" dirty="0"/>
-              <a:t> </a:t>
-            </a:r>
-            <a:r>
-              <a:rPr lang="en-ID" dirty="0" err="1"/>
-              <a:t>operasional</a:t>
-            </a:r>
-            <a:r>
-              <a:rPr lang="en-ID" dirty="0"/>
-              <a:t> dan </a:t>
-            </a:r>
-            <a:r>
-              <a:rPr lang="en-ID" dirty="0" err="1"/>
-              <a:t>keuntungan</a:t>
-            </a:r>
-            <a:r>
-              <a:rPr lang="en-ID" dirty="0"/>
-              <a:t>.</a:t>
-            </a:r>
-          </a:p>
-          <a:p>
-            <a:r>
-              <a:rPr lang="en-ID" dirty="0"/>
-              <a:t>BI </a:t>
-            </a:r>
-            <a:r>
-              <a:rPr lang="en-ID" dirty="0" err="1"/>
-              <a:t>mengubah</a:t>
-            </a:r>
-            <a:r>
-              <a:rPr lang="en-ID" dirty="0"/>
-              <a:t> data </a:t>
-            </a:r>
-            <a:r>
-              <a:rPr lang="en-ID" dirty="0" err="1"/>
-              <a:t>mentah</a:t>
-            </a:r>
-            <a:r>
-              <a:rPr lang="en-ID" dirty="0"/>
-              <a:t> </a:t>
-            </a:r>
-            <a:r>
-              <a:rPr lang="en-ID" dirty="0" err="1"/>
-              <a:t>menjadi</a:t>
-            </a:r>
-            <a:r>
-              <a:rPr lang="en-ID" dirty="0"/>
-              <a:t> </a:t>
-            </a:r>
-            <a:r>
-              <a:rPr lang="en-ID" dirty="0" err="1"/>
-              <a:t>informasi</a:t>
-            </a:r>
-            <a:r>
-              <a:rPr lang="en-ID" dirty="0"/>
-              <a:t> yang </a:t>
-            </a:r>
-            <a:r>
-              <a:rPr lang="en-ID" dirty="0" err="1"/>
-              <a:t>bermakna</a:t>
-            </a:r>
-            <a:r>
-              <a:rPr lang="en-ID" dirty="0"/>
-              <a:t> </a:t>
-            </a:r>
-            <a:r>
-              <a:rPr lang="en-ID" dirty="0" err="1"/>
-              <a:t>untuk</a:t>
-            </a:r>
-            <a:r>
-              <a:rPr lang="en-ID" dirty="0"/>
-              <a:t> </a:t>
-            </a:r>
-            <a:r>
-              <a:rPr lang="en-ID" dirty="0" err="1"/>
-              <a:t>memberikan</a:t>
-            </a:r>
-            <a:r>
-              <a:rPr lang="en-ID" dirty="0"/>
-              <a:t> </a:t>
-            </a:r>
-            <a:r>
-              <a:rPr lang="en-ID" dirty="0" err="1"/>
-              <a:t>wawasan</a:t>
-            </a:r>
-            <a:r>
-              <a:rPr lang="en-ID" dirty="0"/>
-              <a:t> yang </a:t>
-            </a:r>
-            <a:r>
-              <a:rPr lang="en-ID" dirty="0" err="1"/>
-              <a:t>lebih</a:t>
-            </a:r>
-            <a:r>
-              <a:rPr lang="en-ID" dirty="0"/>
-              <a:t> </a:t>
-            </a:r>
-            <a:r>
-              <a:rPr lang="en-ID" dirty="0" err="1"/>
-              <a:t>dalam</a:t>
-            </a:r>
-            <a:r>
-              <a:rPr lang="en-ID" dirty="0"/>
-              <a:t> </a:t>
-            </a:r>
-            <a:r>
-              <a:rPr lang="en-ID" dirty="0" err="1"/>
-              <a:t>tentang</a:t>
-            </a:r>
-            <a:r>
-              <a:rPr lang="en-ID" dirty="0"/>
-              <a:t> </a:t>
-            </a:r>
-            <a:r>
-              <a:rPr lang="en-ID" dirty="0" err="1"/>
-              <a:t>kinerja</a:t>
-            </a:r>
-            <a:r>
-              <a:rPr lang="en-ID" dirty="0"/>
-              <a:t> </a:t>
-            </a:r>
-            <a:r>
-              <a:rPr lang="en-ID" dirty="0" err="1"/>
-              <a:t>bisnis</a:t>
             </a:r>
             <a:r>
               <a:rPr lang="en-ID" dirty="0"/>
@@ -3812,6 +4161,194 @@
             <a:pPr marL="0" indent="0">
               <a:buNone/>
             </a:pPr>
+            <a:endParaRPr lang="en-ID" dirty="0"/>
+          </a:p>
+          <a:p>
+            <a:pPr>
+              <a:buFont typeface="Arial" panose="020B0604020202020204" pitchFamily="34" charset="0"/>
+              <a:buChar char="•"/>
+            </a:pPr>
+            <a:r>
+              <a:rPr lang="en-ID" b="1" dirty="0"/>
+              <a:t>Big Data:</a:t>
+            </a:r>
+            <a:br>
+              <a:rPr lang="en-ID" dirty="0"/>
+            </a:br>
+            <a:r>
+              <a:rPr lang="en-ID" dirty="0"/>
+              <a:t>Big Data </a:t>
+            </a:r>
+            <a:r>
+              <a:rPr lang="en-ID" dirty="0" err="1"/>
+              <a:t>merujuk</a:t>
+            </a:r>
+            <a:r>
+              <a:rPr lang="en-ID" dirty="0"/>
+              <a:t> pada </a:t>
+            </a:r>
+            <a:r>
+              <a:rPr lang="en-ID" dirty="0" err="1"/>
+              <a:t>kumpulan</a:t>
+            </a:r>
+            <a:r>
+              <a:rPr lang="en-ID" dirty="0"/>
+              <a:t> data yang sangat </a:t>
+            </a:r>
+            <a:r>
+              <a:rPr lang="en-ID" dirty="0" err="1"/>
+              <a:t>besar</a:t>
+            </a:r>
+            <a:r>
+              <a:rPr lang="en-ID" dirty="0"/>
+              <a:t>, </a:t>
+            </a:r>
+            <a:r>
+              <a:rPr lang="en-ID" dirty="0" err="1"/>
+              <a:t>kompleks</a:t>
+            </a:r>
+            <a:r>
+              <a:rPr lang="en-ID" dirty="0"/>
+              <a:t>, dan </a:t>
+            </a:r>
+            <a:r>
+              <a:rPr lang="en-ID" dirty="0" err="1"/>
+              <a:t>beragam</a:t>
+            </a:r>
+            <a:r>
+              <a:rPr lang="en-ID" dirty="0"/>
+              <a:t> </a:t>
+            </a:r>
+            <a:r>
+              <a:rPr lang="en-ID" dirty="0" err="1"/>
+              <a:t>sehingga</a:t>
+            </a:r>
+            <a:r>
+              <a:rPr lang="en-ID" dirty="0"/>
+              <a:t> </a:t>
+            </a:r>
+            <a:r>
+              <a:rPr lang="en-ID" dirty="0" err="1"/>
+              <a:t>sulit</a:t>
+            </a:r>
+            <a:r>
+              <a:rPr lang="en-ID" dirty="0"/>
+              <a:t> </a:t>
+            </a:r>
+            <a:r>
+              <a:rPr lang="en-ID" dirty="0" err="1"/>
+              <a:t>dikelola</a:t>
+            </a:r>
+            <a:r>
+              <a:rPr lang="en-ID" dirty="0"/>
+              <a:t> </a:t>
+            </a:r>
+            <a:r>
+              <a:rPr lang="en-ID" dirty="0" err="1"/>
+              <a:t>dengan</a:t>
+            </a:r>
+            <a:r>
+              <a:rPr lang="en-ID" dirty="0"/>
+              <a:t> </a:t>
+            </a:r>
+            <a:r>
+              <a:rPr lang="en-ID" dirty="0" err="1"/>
+              <a:t>alat</a:t>
+            </a:r>
+            <a:r>
+              <a:rPr lang="en-ID" dirty="0"/>
+              <a:t> </a:t>
+            </a:r>
+            <a:r>
+              <a:rPr lang="en-ID" dirty="0" err="1"/>
+              <a:t>tradisional</a:t>
+            </a:r>
+            <a:r>
+              <a:rPr lang="en-ID" dirty="0"/>
+              <a:t>. Big Data </a:t>
+            </a:r>
+            <a:r>
+              <a:rPr lang="en-ID" dirty="0" err="1"/>
+              <a:t>sering</a:t>
+            </a:r>
+            <a:r>
+              <a:rPr lang="en-ID" dirty="0"/>
+              <a:t> </a:t>
+            </a:r>
+            <a:r>
+              <a:rPr lang="en-ID" dirty="0" err="1"/>
+              <a:t>melibatkan</a:t>
+            </a:r>
+            <a:r>
+              <a:rPr lang="en-ID" dirty="0"/>
+              <a:t> volume data </a:t>
+            </a:r>
+            <a:r>
+              <a:rPr lang="en-ID" dirty="0" err="1"/>
+              <a:t>besar</a:t>
+            </a:r>
+            <a:r>
+              <a:rPr lang="en-ID" dirty="0"/>
+              <a:t>, </a:t>
+            </a:r>
+            <a:r>
+              <a:rPr lang="en-ID" dirty="0" err="1"/>
+              <a:t>kecepatan</a:t>
+            </a:r>
+            <a:r>
+              <a:rPr lang="en-ID" dirty="0"/>
+              <a:t> </a:t>
+            </a:r>
+            <a:r>
+              <a:rPr lang="en-ID" dirty="0" err="1"/>
+              <a:t>tinggi</a:t>
+            </a:r>
+            <a:r>
+              <a:rPr lang="en-ID" dirty="0"/>
+              <a:t> (</a:t>
+            </a:r>
+            <a:r>
+              <a:rPr lang="en-ID" i="1" dirty="0"/>
+              <a:t>velocity</a:t>
+            </a:r>
+            <a:r>
+              <a:rPr lang="en-ID" dirty="0"/>
+              <a:t>), dan </a:t>
+            </a:r>
+            <a:r>
+              <a:rPr lang="en-ID" dirty="0" err="1"/>
+              <a:t>variasi</a:t>
+            </a:r>
+            <a:r>
+              <a:rPr lang="en-ID" dirty="0"/>
+              <a:t> data (</a:t>
+            </a:r>
+            <a:r>
+              <a:rPr lang="en-ID" i="1" dirty="0"/>
+              <a:t>variety</a:t>
+            </a:r>
+            <a:r>
+              <a:rPr lang="en-ID" dirty="0"/>
+              <a:t>), yang </a:t>
+            </a:r>
+            <a:r>
+              <a:rPr lang="en-ID" dirty="0" err="1"/>
+              <a:t>dikenal</a:t>
+            </a:r>
+            <a:r>
+              <a:rPr lang="en-ID" dirty="0"/>
+              <a:t> </a:t>
+            </a:r>
+            <a:r>
+              <a:rPr lang="en-ID" dirty="0" err="1"/>
+              <a:t>sebagai</a:t>
+            </a:r>
+            <a:r>
+              <a:rPr lang="en-ID" dirty="0"/>
+              <a:t> 3V.</a:t>
+            </a:r>
+          </a:p>
+          <a:p>
             <a:endParaRPr lang="en-US" dirty="0"/>
           </a:p>
         </p:txBody>
@@ -3819,7 +4356,7 @@
     </p:spTree>
     <p:extLst>
       <p:ext uri="{BB962C8B-B14F-4D97-AF65-F5344CB8AC3E}">
-        <p14:creationId xmlns:p14="http://schemas.microsoft.com/office/powerpoint/2010/main" val="3810083784"/>
+        <p14:creationId xmlns:p14="http://schemas.microsoft.com/office/powerpoint/2010/main" val="120840772"/>
       </p:ext>
     </p:extLst>
   </p:cSld>
@@ -3851,7 +4388,7 @@
           <p:cNvPr id="2" name="Title 1">
             <a:extLst>
               <a:ext uri="{FF2B5EF4-FFF2-40B4-BE49-F238E27FC236}">
-                <a16:creationId xmlns:a16="http://schemas.microsoft.com/office/drawing/2014/main" id="{D24F048C-3C37-AD71-680E-D42873FC03C9}"/>
+                <a16:creationId xmlns:a16="http://schemas.microsoft.com/office/drawing/2014/main" id="{33964D84-21EE-00B3-D019-79C6DE27D0C4}"/>
               </a:ext>
             </a:extLst>
           </p:cNvPr>
@@ -3868,12 +4405,12 @@
           <a:lstStyle/>
           <a:p>
             <a:r>
-              <a:rPr lang="en-ID" dirty="0" err="1"/>
-              <a:t>Komponen</a:t>
-            </a:r>
-            <a:r>
-              <a:rPr lang="en-ID" dirty="0"/>
-              <a:t> Utama BI:</a:t>
+              <a:rPr lang="en-ID" b="1" dirty="0" err="1"/>
+              <a:t>Definisi</a:t>
+            </a:r>
+            <a:r>
+              <a:rPr lang="en-ID" b="1" dirty="0"/>
+              <a:t> Business Intelligence (BI)</a:t>
             </a:r>
             <a:endParaRPr lang="en-US" dirty="0"/>
           </a:p>
@@ -3884,7 +4421,7 @@
           <p:cNvPr id="3" name="Content Placeholder 2">
             <a:extLst>
               <a:ext uri="{FF2B5EF4-FFF2-40B4-BE49-F238E27FC236}">
-                <a16:creationId xmlns:a16="http://schemas.microsoft.com/office/drawing/2014/main" id="{4253A7BF-795B-282E-6C97-7640EFF5E536}"/>
+                <a16:creationId xmlns:a16="http://schemas.microsoft.com/office/drawing/2014/main" id="{2943B943-D41B-7607-C7FA-E13A6DC5B5DD}"/>
               </a:ext>
             </a:extLst>
           </p:cNvPr>
@@ -3897,30 +4434,80 @@
         </p:nvSpPr>
         <p:spPr/>
         <p:txBody>
-          <a:bodyPr>
-            <a:normAutofit lnSpcReduction="10000"/>
-          </a:bodyPr>
+          <a:bodyPr/>
           <a:lstStyle/>
           <a:p>
             <a:r>
-              <a:rPr lang="en-ID" b="1" dirty="0"/>
-              <a:t>Data Warehouse:</a:t>
-            </a:r>
-            <a:r>
-              <a:rPr lang="en-ID" dirty="0"/>
-              <a:t> </a:t>
-            </a:r>
-            <a:r>
-              <a:rPr lang="en-ID" dirty="0" err="1"/>
-              <a:t>Tempat</a:t>
-            </a:r>
-            <a:r>
-              <a:rPr lang="en-ID" dirty="0"/>
-              <a:t> </a:t>
-            </a:r>
-            <a:r>
-              <a:rPr lang="en-ID" dirty="0" err="1"/>
-              <a:t>penyimpanan</a:t>
+              <a:rPr lang="en-ID" dirty="0"/>
+              <a:t>Business Intelligence (BI) </a:t>
+            </a:r>
+            <a:r>
+              <a:rPr lang="en-ID" dirty="0" err="1"/>
+              <a:t>adalah</a:t>
+            </a:r>
+            <a:r>
+              <a:rPr lang="en-ID" dirty="0"/>
+              <a:t> </a:t>
+            </a:r>
+            <a:r>
+              <a:rPr lang="en-ID" dirty="0" err="1"/>
+              <a:t>kumpulan</a:t>
+            </a:r>
+            <a:r>
+              <a:rPr lang="en-ID" dirty="0"/>
+              <a:t> proses, </a:t>
+            </a:r>
+            <a:r>
+              <a:rPr lang="en-ID" dirty="0" err="1"/>
+              <a:t>teknologi</a:t>
+            </a:r>
+            <a:r>
+              <a:rPr lang="en-ID" dirty="0"/>
+              <a:t>, dan </a:t>
+            </a:r>
+            <a:r>
+              <a:rPr lang="en-ID" dirty="0" err="1"/>
+              <a:t>alat</a:t>
+            </a:r>
+            <a:r>
+              <a:rPr lang="en-ID" dirty="0"/>
+              <a:t> yang </a:t>
+            </a:r>
+            <a:r>
+              <a:rPr lang="en-ID" dirty="0" err="1"/>
+              <a:t>digunakan</a:t>
+            </a:r>
+            <a:r>
+              <a:rPr lang="en-ID" dirty="0"/>
+              <a:t> </a:t>
+            </a:r>
+            <a:r>
+              <a:rPr lang="en-ID" dirty="0" err="1"/>
+              <a:t>untuk</a:t>
+            </a:r>
+            <a:r>
+              <a:rPr lang="en-ID" dirty="0"/>
+              <a:t> </a:t>
+            </a:r>
+            <a:r>
+              <a:rPr lang="en-ID" dirty="0" err="1"/>
+              <a:t>mengumpulkan</a:t>
+            </a:r>
+            <a:r>
+              <a:rPr lang="en-ID" dirty="0"/>
+              <a:t>, </a:t>
+            </a:r>
+            <a:r>
+              <a:rPr lang="en-ID" dirty="0" err="1"/>
+              <a:t>menganalisis</a:t>
+            </a:r>
+            <a:r>
+              <a:rPr lang="en-ID" dirty="0"/>
+              <a:t>, dan </a:t>
+            </a:r>
+            <a:r>
+              <a:rPr lang="en-ID" dirty="0" err="1"/>
+              <a:t>menyajikan</a:t>
             </a:r>
             <a:r>
               <a:rPr lang="en-ID" dirty="0"/>
@@ -3928,53 +4515,191 @@
             </a:r>
             <a:r>
               <a:rPr lang="en-ID" dirty="0" err="1"/>
-              <a:t>terintegrasi</a:t>
-            </a:r>
-            <a:r>
-              <a:rPr lang="en-ID" dirty="0"/>
-              <a:t> </a:t>
-            </a:r>
-            <a:r>
-              <a:rPr lang="en-ID" dirty="0" err="1"/>
-              <a:t>dari</a:t>
-            </a:r>
-            <a:r>
-              <a:rPr lang="en-ID" dirty="0"/>
-              <a:t> </a:t>
-            </a:r>
-            <a:r>
-              <a:rPr lang="en-ID" dirty="0" err="1"/>
-              <a:t>berbagai</a:t>
-            </a:r>
-            <a:r>
-              <a:rPr lang="en-ID" dirty="0"/>
-              <a:t> </a:t>
-            </a:r>
-            <a:r>
-              <a:rPr lang="en-ID" dirty="0" err="1"/>
-              <a:t>sumber</a:t>
-            </a:r>
-            <a:r>
-              <a:rPr lang="en-ID" dirty="0"/>
-              <a:t>. </a:t>
-            </a:r>
-          </a:p>
-          <a:p>
-            <a:r>
-              <a:rPr lang="en-ID" b="1" dirty="0"/>
-              <a:t>OLAP (Online Analytical Processing):</a:t>
-            </a:r>
-            <a:r>
-              <a:rPr lang="en-ID" dirty="0"/>
-              <a:t> </a:t>
-            </a:r>
-            <a:r>
-              <a:rPr lang="en-ID" dirty="0" err="1"/>
-              <a:t>Analisis</a:t>
-            </a:r>
-            <a:r>
-              <a:rPr lang="en-ID" dirty="0"/>
-              <a:t> data multidimensional </a:t>
+              <a:t>bisnis</a:t>
+            </a:r>
+            <a:r>
+              <a:rPr lang="en-ID" dirty="0"/>
+              <a:t> agar </a:t>
+            </a:r>
+            <a:r>
+              <a:rPr lang="en-ID" dirty="0" err="1"/>
+              <a:t>mendukung</a:t>
+            </a:r>
+            <a:r>
+              <a:rPr lang="en-ID" dirty="0"/>
+              <a:t> </a:t>
+            </a:r>
+            <a:r>
+              <a:rPr lang="en-ID" dirty="0" err="1"/>
+              <a:t>pengambilan</a:t>
+            </a:r>
+            <a:r>
+              <a:rPr lang="en-ID" dirty="0"/>
+              <a:t> </a:t>
+            </a:r>
+            <a:r>
+              <a:rPr lang="en-ID" dirty="0" err="1"/>
+              <a:t>keputusan</a:t>
+            </a:r>
+            <a:r>
+              <a:rPr lang="en-ID" dirty="0"/>
+              <a:t> yang </a:t>
+            </a:r>
+            <a:r>
+              <a:rPr lang="en-ID" dirty="0" err="1"/>
+              <a:t>lebih</a:t>
+            </a:r>
+            <a:r>
+              <a:rPr lang="en-ID" dirty="0"/>
+              <a:t> </a:t>
+            </a:r>
+            <a:r>
+              <a:rPr lang="en-ID" dirty="0" err="1"/>
+              <a:t>baik</a:t>
+            </a:r>
+            <a:r>
+              <a:rPr lang="en-ID" dirty="0"/>
+              <a:t>.</a:t>
+            </a:r>
+          </a:p>
+          <a:p>
+            <a:r>
+              <a:rPr lang="en-ID" dirty="0"/>
+              <a:t>BI </a:t>
+            </a:r>
+            <a:r>
+              <a:rPr lang="en-ID" dirty="0" err="1"/>
+              <a:t>membantu</a:t>
+            </a:r>
+            <a:r>
+              <a:rPr lang="en-ID" dirty="0"/>
+              <a:t> </a:t>
+            </a:r>
+            <a:r>
+              <a:rPr lang="en-ID" dirty="0" err="1"/>
+              <a:t>organisasi</a:t>
+            </a:r>
+            <a:r>
+              <a:rPr lang="en-ID" dirty="0"/>
+              <a:t> </a:t>
+            </a:r>
+            <a:r>
+              <a:rPr lang="en-ID" dirty="0" err="1"/>
+              <a:t>memahami</a:t>
+            </a:r>
+            <a:r>
+              <a:rPr lang="en-ID" dirty="0"/>
+              <a:t> </a:t>
+            </a:r>
+            <a:r>
+              <a:rPr lang="en-ID" dirty="0" err="1"/>
+              <a:t>tren</a:t>
+            </a:r>
+            <a:r>
+              <a:rPr lang="en-ID" dirty="0"/>
+              <a:t>, </a:t>
+            </a:r>
+            <a:r>
+              <a:rPr lang="en-ID" dirty="0" err="1"/>
+              <a:t>pola</a:t>
+            </a:r>
+            <a:r>
+              <a:rPr lang="en-ID" dirty="0"/>
+              <a:t>, dan </a:t>
+            </a:r>
+            <a:r>
+              <a:rPr lang="en-ID" dirty="0" err="1"/>
+              <a:t>wawasan</a:t>
+            </a:r>
+            <a:r>
+              <a:rPr lang="en-ID" dirty="0"/>
+              <a:t> yang </a:t>
+            </a:r>
+            <a:r>
+              <a:rPr lang="en-ID" dirty="0" err="1"/>
+              <a:t>dapat</a:t>
+            </a:r>
+            <a:r>
+              <a:rPr lang="en-ID" dirty="0"/>
+              <a:t> </a:t>
+            </a:r>
+            <a:r>
+              <a:rPr lang="en-ID" dirty="0" err="1"/>
+              <a:t>meningkatkan</a:t>
+            </a:r>
+            <a:r>
+              <a:rPr lang="en-ID" dirty="0"/>
+              <a:t> </a:t>
+            </a:r>
+            <a:r>
+              <a:rPr lang="en-ID" dirty="0" err="1"/>
+              <a:t>efisiensi</a:t>
+            </a:r>
+            <a:r>
+              <a:rPr lang="en-ID" dirty="0"/>
+              <a:t> </a:t>
+            </a:r>
+            <a:r>
+              <a:rPr lang="en-ID" dirty="0" err="1"/>
+              <a:t>operasional</a:t>
+            </a:r>
+            <a:r>
+              <a:rPr lang="en-ID" dirty="0"/>
+              <a:t> dan </a:t>
+            </a:r>
+            <a:r>
+              <a:rPr lang="en-ID" dirty="0" err="1"/>
+              <a:t>keuntungan</a:t>
+            </a:r>
+            <a:r>
+              <a:rPr lang="en-ID" dirty="0"/>
+              <a:t>.</a:t>
+            </a:r>
+          </a:p>
+          <a:p>
+            <a:r>
+              <a:rPr lang="en-ID" dirty="0"/>
+              <a:t>BI </a:t>
+            </a:r>
+            <a:r>
+              <a:rPr lang="en-ID" dirty="0" err="1"/>
+              <a:t>mengubah</a:t>
+            </a:r>
+            <a:r>
+              <a:rPr lang="en-ID" dirty="0"/>
+              <a:t> data </a:t>
+            </a:r>
+            <a:r>
+              <a:rPr lang="en-ID" dirty="0" err="1"/>
+              <a:t>mentah</a:t>
+            </a:r>
+            <a:r>
+              <a:rPr lang="en-ID" dirty="0"/>
+              <a:t> </a:t>
+            </a:r>
+            <a:r>
+              <a:rPr lang="en-ID" dirty="0" err="1"/>
+              <a:t>menjadi</a:t>
+            </a:r>
+            <a:r>
+              <a:rPr lang="en-ID" dirty="0"/>
+              <a:t> </a:t>
+            </a:r>
+            <a:r>
+              <a:rPr lang="en-ID" dirty="0" err="1"/>
+              <a:t>informasi</a:t>
+            </a:r>
+            <a:r>
+              <a:rPr lang="en-ID" dirty="0"/>
+              <a:t> yang </a:t>
+            </a:r>
+            <a:r>
+              <a:rPr lang="en-ID" dirty="0" err="1"/>
+              <a:t>bermakna</a:t>
+            </a:r>
+            <a:r>
+              <a:rPr lang="en-ID" dirty="0"/>
+              <a:t> </a:t>
             </a:r>
             <a:r>
               <a:rPr lang="en-ID" dirty="0" err="1"/>
@@ -3986,15 +4711,15 @@
             </a:r>
             <a:r>
               <a:rPr lang="en-ID" dirty="0" err="1"/>
-              <a:t>menggali</a:t>
-            </a:r>
-            <a:r>
-              <a:rPr lang="en-ID" dirty="0"/>
-              <a:t> </a:t>
-            </a:r>
-            <a:r>
-              <a:rPr lang="en-ID" dirty="0" err="1"/>
-              <a:t>informasi</a:t>
+              <a:t>memberikan</a:t>
+            </a:r>
+            <a:r>
+              <a:rPr lang="en-ID" dirty="0"/>
+              <a:t> </a:t>
+            </a:r>
+            <a:r>
+              <a:rPr lang="en-ID" dirty="0" err="1"/>
+              <a:t>wawasan</a:t>
             </a:r>
             <a:r>
               <a:rPr lang="en-ID" dirty="0"/>
@@ -4014,210 +4739,37 @@
             </a:r>
             <a:r>
               <a:rPr lang="en-ID" dirty="0"/>
-              <a:t>. </a:t>
-            </a:r>
-          </a:p>
-          <a:p>
-            <a:r>
-              <a:rPr lang="en-ID" b="1" dirty="0"/>
-              <a:t>Data Mining:</a:t>
-            </a:r>
-            <a:r>
-              <a:rPr lang="en-ID" dirty="0"/>
-              <a:t> Proses </a:t>
-            </a:r>
-            <a:r>
-              <a:rPr lang="en-ID" dirty="0" err="1"/>
-              <a:t>menemukan</a:t>
-            </a:r>
-            <a:r>
-              <a:rPr lang="en-ID" dirty="0"/>
-              <a:t> </a:t>
-            </a:r>
-            <a:r>
-              <a:rPr lang="en-ID" dirty="0" err="1"/>
-              <a:t>pola</a:t>
-            </a:r>
-            <a:r>
-              <a:rPr lang="en-ID" dirty="0"/>
-              <a:t> dan </a:t>
-            </a:r>
-            <a:r>
-              <a:rPr lang="en-ID" dirty="0" err="1"/>
-              <a:t>hubungan</a:t>
-            </a:r>
-            <a:r>
-              <a:rPr lang="en-ID" dirty="0"/>
-              <a:t> yang </a:t>
-            </a:r>
-            <a:r>
-              <a:rPr lang="en-ID" dirty="0" err="1"/>
-              <a:t>tersembunyi</a:t>
-            </a:r>
-            <a:r>
-              <a:rPr lang="en-ID" dirty="0"/>
-              <a:t> </a:t>
-            </a:r>
-            <a:r>
-              <a:rPr lang="en-ID" dirty="0" err="1"/>
-              <a:t>dalam</a:t>
-            </a:r>
-            <a:r>
-              <a:rPr lang="en-ID" dirty="0"/>
-              <a:t> data. </a:t>
-            </a:r>
-          </a:p>
-          <a:p>
-            <a:r>
-              <a:rPr lang="en-ID" b="1" dirty="0"/>
-              <a:t>Business Analytics:</a:t>
-            </a:r>
-            <a:r>
-              <a:rPr lang="en-ID" dirty="0"/>
-              <a:t> </a:t>
-            </a:r>
-            <a:r>
-              <a:rPr lang="en-ID" dirty="0" err="1"/>
-              <a:t>Penerapan</a:t>
-            </a:r>
-            <a:r>
-              <a:rPr lang="en-ID" dirty="0"/>
-              <a:t> </a:t>
-            </a:r>
-            <a:r>
-              <a:rPr lang="en-ID" dirty="0" err="1"/>
-              <a:t>teknik</a:t>
-            </a:r>
-            <a:r>
-              <a:rPr lang="en-ID" dirty="0"/>
-              <a:t> </a:t>
-            </a:r>
-            <a:r>
-              <a:rPr lang="en-ID" dirty="0" err="1"/>
-              <a:t>statistik</a:t>
-            </a:r>
-            <a:r>
-              <a:rPr lang="en-ID" dirty="0"/>
-              <a:t> dan </a:t>
-            </a:r>
-            <a:r>
-              <a:rPr lang="en-ID" dirty="0" err="1"/>
-              <a:t>matematika</a:t>
-            </a:r>
-            <a:r>
-              <a:rPr lang="en-ID" dirty="0"/>
-              <a:t> </a:t>
-            </a:r>
-            <a:r>
-              <a:rPr lang="en-ID" dirty="0" err="1"/>
-              <a:t>untuk</a:t>
-            </a:r>
-            <a:r>
-              <a:rPr lang="en-ID" dirty="0"/>
-              <a:t> </a:t>
-            </a:r>
-            <a:r>
-              <a:rPr lang="en-ID" dirty="0" err="1"/>
-              <a:t>menganalisis</a:t>
-            </a:r>
-            <a:r>
-              <a:rPr lang="en-ID" dirty="0"/>
-              <a:t> data dan </a:t>
-            </a:r>
-            <a:r>
-              <a:rPr lang="en-ID" dirty="0" err="1"/>
-              <a:t>membuat</a:t>
-            </a:r>
-            <a:r>
-              <a:rPr lang="en-ID" dirty="0"/>
-              <a:t> </a:t>
-            </a:r>
-            <a:r>
-              <a:rPr lang="en-ID" dirty="0" err="1"/>
-              <a:t>prediksi</a:t>
-            </a:r>
-            <a:r>
-              <a:rPr lang="en-ID" dirty="0"/>
-              <a:t>. </a:t>
-            </a:r>
-          </a:p>
-          <a:p>
-            <a:r>
-              <a:rPr lang="en-ID" b="1" dirty="0" err="1"/>
-              <a:t>Visualisasi</a:t>
-            </a:r>
-            <a:r>
-              <a:rPr lang="en-ID" b="1" dirty="0"/>
-              <a:t> Data:</a:t>
-            </a:r>
-            <a:r>
-              <a:rPr lang="en-ID" dirty="0"/>
-              <a:t> </a:t>
-            </a:r>
-            <a:r>
-              <a:rPr lang="en-ID" dirty="0" err="1"/>
-              <a:t>Penyajian</a:t>
-            </a:r>
-            <a:r>
-              <a:rPr lang="en-ID" dirty="0"/>
-              <a:t> data </a:t>
-            </a:r>
-            <a:r>
-              <a:rPr lang="en-ID" dirty="0" err="1"/>
-              <a:t>dalam</a:t>
-            </a:r>
-            <a:r>
-              <a:rPr lang="en-ID" dirty="0"/>
-              <a:t> </a:t>
-            </a:r>
-            <a:r>
-              <a:rPr lang="en-ID" dirty="0" err="1"/>
-              <a:t>bentuk</a:t>
-            </a:r>
-            <a:r>
-              <a:rPr lang="en-ID" dirty="0"/>
-              <a:t> </a:t>
-            </a:r>
-            <a:r>
-              <a:rPr lang="en-ID" dirty="0" err="1"/>
-              <a:t>grafik</a:t>
-            </a:r>
-            <a:r>
-              <a:rPr lang="en-ID" dirty="0"/>
-              <a:t>, chart, </a:t>
-            </a:r>
-            <a:r>
-              <a:rPr lang="en-ID" dirty="0" err="1"/>
-              <a:t>atau</a:t>
-            </a:r>
-            <a:r>
-              <a:rPr lang="en-ID" dirty="0"/>
-              <a:t> dashboard </a:t>
-            </a:r>
-            <a:r>
-              <a:rPr lang="en-ID" dirty="0" err="1"/>
-              <a:t>untuk</a:t>
-            </a:r>
-            <a:r>
-              <a:rPr lang="en-ID" dirty="0"/>
-              <a:t> </a:t>
-            </a:r>
-            <a:r>
-              <a:rPr lang="en-ID" dirty="0" err="1"/>
-              <a:t>memudahkan</a:t>
-            </a:r>
-            <a:r>
-              <a:rPr lang="en-ID" dirty="0"/>
-              <a:t> </a:t>
-            </a:r>
-            <a:r>
-              <a:rPr lang="en-ID" dirty="0" err="1"/>
-              <a:t>pemahaman</a:t>
+              <a:t> </a:t>
+            </a:r>
+            <a:r>
+              <a:rPr lang="en-ID" dirty="0" err="1"/>
+              <a:t>tentang</a:t>
+            </a:r>
+            <a:r>
+              <a:rPr lang="en-ID" dirty="0"/>
+              <a:t> </a:t>
+            </a:r>
+            <a:r>
+              <a:rPr lang="en-ID" dirty="0" err="1"/>
+              <a:t>kinerja</a:t>
+            </a:r>
+            <a:r>
+              <a:rPr lang="en-ID" dirty="0"/>
+              <a:t> </a:t>
+            </a:r>
+            <a:r>
+              <a:rPr lang="en-ID" dirty="0" err="1"/>
+              <a:t>bisnis</a:t>
             </a:r>
             <a:r>
               <a:rPr lang="en-ID" dirty="0"/>
               <a:t>.</a:t>
             </a:r>
+          </a:p>
+          <a:p>
+            <a:pPr marL="0" indent="0">
+              <a:buNone/>
+            </a:pPr>
             <a:endParaRPr lang="en-US" dirty="0"/>
           </a:p>
         </p:txBody>
@@ -4225,7 +4777,7 @@
     </p:spTree>
     <p:extLst>
       <p:ext uri="{BB962C8B-B14F-4D97-AF65-F5344CB8AC3E}">
-        <p14:creationId xmlns:p14="http://schemas.microsoft.com/office/powerpoint/2010/main" val="3044320132"/>
+        <p14:creationId xmlns:p14="http://schemas.microsoft.com/office/powerpoint/2010/main" val="3810083784"/>
       </p:ext>
     </p:extLst>
   </p:cSld>
@@ -4257,7 +4809,7 @@
           <p:cNvPr id="2" name="Title 1">
             <a:extLst>
               <a:ext uri="{FF2B5EF4-FFF2-40B4-BE49-F238E27FC236}">
-                <a16:creationId xmlns:a16="http://schemas.microsoft.com/office/drawing/2014/main" id="{F72EC6AD-2DBA-4DBF-B152-671EB512A710}"/>
+                <a16:creationId xmlns:a16="http://schemas.microsoft.com/office/drawing/2014/main" id="{D24F048C-3C37-AD71-680E-D42873FC03C9}"/>
               </a:ext>
             </a:extLst>
           </p:cNvPr>
@@ -4274,17 +4826,14 @@
           <a:lstStyle/>
           <a:p>
             <a:r>
-              <a:rPr lang="en-ID" b="1" dirty="0"/>
-              <a:t>Teknik </a:t>
-            </a:r>
-            <a:r>
-              <a:rPr lang="en-ID" b="1" dirty="0" err="1"/>
-              <a:t>Analisis</a:t>
-            </a:r>
-            <a:r>
-              <a:rPr lang="en-ID" b="1" dirty="0"/>
-              <a:t> Data</a:t>
-            </a:r>
+              <a:rPr lang="en-ID" dirty="0" err="1"/>
+              <a:t>Komponen</a:t>
+            </a:r>
+            <a:r>
+              <a:rPr lang="en-ID" dirty="0"/>
+              <a:t> Utama BI:</a:t>
+            </a:r>
+            <a:endParaRPr lang="en-US" dirty="0"/>
           </a:p>
         </p:txBody>
       </p:sp>
@@ -4293,7 +4842,7 @@
           <p:cNvPr id="3" name="Content Placeholder 2">
             <a:extLst>
               <a:ext uri="{FF2B5EF4-FFF2-40B4-BE49-F238E27FC236}">
-                <a16:creationId xmlns:a16="http://schemas.microsoft.com/office/drawing/2014/main" id="{AE766743-B589-40F1-261C-749D31A2C542}"/>
+                <a16:creationId xmlns:a16="http://schemas.microsoft.com/office/drawing/2014/main" id="{4253A7BF-795B-282E-6C97-7640EFF5E536}"/>
               </a:ext>
             </a:extLst>
           </p:cNvPr>
@@ -4307,23 +4856,133 @@
         <p:spPr/>
         <p:txBody>
           <a:bodyPr>
-            <a:normAutofit/>
+            <a:normAutofit lnSpcReduction="10000"/>
           </a:bodyPr>
           <a:lstStyle/>
           <a:p>
-            <a:pPr marL="0" indent="0">
-              <a:buNone/>
-            </a:pPr>
             <a:r>
               <a:rPr lang="en-ID" b="1" dirty="0"/>
-              <a:t>Data Mining</a:t>
-            </a:r>
-          </a:p>
-          <a:p>
-            <a:pPr lvl="1"/>
-            <a:r>
-              <a:rPr lang="en-ID" dirty="0"/>
-              <a:t>Proses </a:t>
+              <a:t>Data Warehouse:</a:t>
+            </a:r>
+            <a:r>
+              <a:rPr lang="en-ID" dirty="0"/>
+              <a:t> </a:t>
+            </a:r>
+            <a:r>
+              <a:rPr lang="en-ID" dirty="0" err="1"/>
+              <a:t>Tempat</a:t>
+            </a:r>
+            <a:r>
+              <a:rPr lang="en-ID" dirty="0"/>
+              <a:t> </a:t>
+            </a:r>
+            <a:r>
+              <a:rPr lang="en-ID" dirty="0" err="1"/>
+              <a:t>penyimpanan</a:t>
+            </a:r>
+            <a:r>
+              <a:rPr lang="en-ID" dirty="0"/>
+              <a:t> data </a:t>
+            </a:r>
+            <a:r>
+              <a:rPr lang="en-ID" dirty="0" err="1"/>
+              <a:t>terintegrasi</a:t>
+            </a:r>
+            <a:r>
+              <a:rPr lang="en-ID" dirty="0"/>
+              <a:t> </a:t>
+            </a:r>
+            <a:r>
+              <a:rPr lang="en-ID" dirty="0" err="1"/>
+              <a:t>dari</a:t>
+            </a:r>
+            <a:r>
+              <a:rPr lang="en-ID" dirty="0"/>
+              <a:t> </a:t>
+            </a:r>
+            <a:r>
+              <a:rPr lang="en-ID" dirty="0" err="1"/>
+              <a:t>berbagai</a:t>
+            </a:r>
+            <a:r>
+              <a:rPr lang="en-ID" dirty="0"/>
+              <a:t> </a:t>
+            </a:r>
+            <a:r>
+              <a:rPr lang="en-ID" dirty="0" err="1"/>
+              <a:t>sumber</a:t>
+            </a:r>
+            <a:r>
+              <a:rPr lang="en-ID" dirty="0"/>
+              <a:t>. </a:t>
+            </a:r>
+          </a:p>
+          <a:p>
+            <a:r>
+              <a:rPr lang="en-ID" b="1" dirty="0"/>
+              <a:t>OLAP (Online Analytical Processing):</a:t>
+            </a:r>
+            <a:r>
+              <a:rPr lang="en-ID" dirty="0"/>
+              <a:t> </a:t>
+            </a:r>
+            <a:r>
+              <a:rPr lang="en-ID" dirty="0" err="1"/>
+              <a:t>Analisis</a:t>
+            </a:r>
+            <a:r>
+              <a:rPr lang="en-ID" dirty="0"/>
+              <a:t> data multidimensional </a:t>
+            </a:r>
+            <a:r>
+              <a:rPr lang="en-ID" dirty="0" err="1"/>
+              <a:t>untuk</a:t>
+            </a:r>
+            <a:r>
+              <a:rPr lang="en-ID" dirty="0"/>
+              <a:t> </a:t>
+            </a:r>
+            <a:r>
+              <a:rPr lang="en-ID" dirty="0" err="1"/>
+              <a:t>menggali</a:t>
+            </a:r>
+            <a:r>
+              <a:rPr lang="en-ID" dirty="0"/>
+              <a:t> </a:t>
+            </a:r>
+            <a:r>
+              <a:rPr lang="en-ID" dirty="0" err="1"/>
+              <a:t>informasi</a:t>
+            </a:r>
+            <a:r>
+              <a:rPr lang="en-ID" dirty="0"/>
+              <a:t> yang </a:t>
+            </a:r>
+            <a:r>
+              <a:rPr lang="en-ID" dirty="0" err="1"/>
+              <a:t>lebih</a:t>
+            </a:r>
+            <a:r>
+              <a:rPr lang="en-ID" dirty="0"/>
+              <a:t> </a:t>
+            </a:r>
+            <a:r>
+              <a:rPr lang="en-ID" dirty="0" err="1"/>
+              <a:t>dalam</a:t>
+            </a:r>
+            <a:r>
+              <a:rPr lang="en-ID" dirty="0"/>
+              <a:t>. </a:t>
+            </a:r>
+          </a:p>
+          <a:p>
+            <a:r>
+              <a:rPr lang="en-ID" b="1" dirty="0"/>
+              <a:t>Data Mining:</a:t>
+            </a:r>
+            <a:r>
+              <a:rPr lang="en-ID" dirty="0"/>
+              <a:t> Proses </a:t>
             </a:r>
             <a:r>
               <a:rPr lang="en-ID" dirty="0" err="1"/>
@@ -4335,7 +4994,15 @@
             </a:r>
             <a:r>
               <a:rPr lang="en-ID" dirty="0" err="1"/>
-              <a:t>pola-pola</a:t>
+              <a:t>pola</a:t>
+            </a:r>
+            <a:r>
+              <a:rPr lang="en-ID" dirty="0"/>
+              <a:t> dan </a:t>
+            </a:r>
+            <a:r>
+              <a:rPr lang="en-ID" dirty="0" err="1"/>
+              <a:t>hubungan</a:t>
             </a:r>
             <a:r>
               <a:rPr lang="en-ID" dirty="0"/>
@@ -4343,39 +5010,7 @@
             </a:r>
             <a:r>
               <a:rPr lang="en-ID" dirty="0" err="1"/>
-              <a:t>menarik</a:t>
-            </a:r>
-            <a:r>
-              <a:rPr lang="en-ID" dirty="0"/>
-              <a:t>, </a:t>
-            </a:r>
-            <a:r>
-              <a:rPr lang="en-ID" dirty="0" err="1"/>
-              <a:t>tidak</a:t>
-            </a:r>
-            <a:r>
-              <a:rPr lang="en-ID" dirty="0"/>
-              <a:t> </a:t>
-            </a:r>
-            <a:r>
-              <a:rPr lang="en-ID" dirty="0" err="1"/>
-              <a:t>diketahui</a:t>
-            </a:r>
-            <a:r>
-              <a:rPr lang="en-ID" dirty="0"/>
-              <a:t> </a:t>
-            </a:r>
-            <a:r>
-              <a:rPr lang="en-ID" dirty="0" err="1"/>
-              <a:t>sebelumnya</a:t>
-            </a:r>
-            <a:r>
-              <a:rPr lang="en-ID" dirty="0"/>
-              <a:t>, dan </a:t>
-            </a:r>
-            <a:r>
-              <a:rPr lang="en-ID" dirty="0" err="1"/>
-              <a:t>berguna</a:t>
+              <a:t>tersembunyi</a:t>
             </a:r>
             <a:r>
               <a:rPr lang="en-ID" dirty="0"/>
@@ -4387,62 +5022,99 @@
             </a:r>
             <a:r>
               <a:rPr lang="en-ID" dirty="0"/>
-              <a:t> data yang </a:t>
-            </a:r>
-            <a:r>
-              <a:rPr lang="en-ID" dirty="0" err="1"/>
-              <a:t>besar</a:t>
+              <a:t> data. </a:t>
+            </a:r>
+          </a:p>
+          <a:p>
+            <a:r>
+              <a:rPr lang="en-ID" b="1" dirty="0"/>
+              <a:t>Business Analytics:</a:t>
+            </a:r>
+            <a:r>
+              <a:rPr lang="en-ID" dirty="0"/>
+              <a:t> </a:t>
+            </a:r>
+            <a:r>
+              <a:rPr lang="en-ID" dirty="0" err="1"/>
+              <a:t>Penerapan</a:t>
+            </a:r>
+            <a:r>
+              <a:rPr lang="en-ID" dirty="0"/>
+              <a:t> </a:t>
+            </a:r>
+            <a:r>
+              <a:rPr lang="en-ID" dirty="0" err="1"/>
+              <a:t>teknik</a:t>
+            </a:r>
+            <a:r>
+              <a:rPr lang="en-ID" dirty="0"/>
+              <a:t> </a:t>
+            </a:r>
+            <a:r>
+              <a:rPr lang="en-ID" dirty="0" err="1"/>
+              <a:t>statistik</a:t>
+            </a:r>
+            <a:r>
+              <a:rPr lang="en-ID" dirty="0"/>
+              <a:t> dan </a:t>
+            </a:r>
+            <a:r>
+              <a:rPr lang="en-ID" dirty="0" err="1"/>
+              <a:t>matematika</a:t>
+            </a:r>
+            <a:r>
+              <a:rPr lang="en-ID" dirty="0"/>
+              <a:t> </a:t>
+            </a:r>
+            <a:r>
+              <a:rPr lang="en-ID" dirty="0" err="1"/>
+              <a:t>untuk</a:t>
+            </a:r>
+            <a:r>
+              <a:rPr lang="en-ID" dirty="0"/>
+              <a:t> </a:t>
+            </a:r>
+            <a:r>
+              <a:rPr lang="en-ID" dirty="0" err="1"/>
+              <a:t>menganalisis</a:t>
+            </a:r>
+            <a:r>
+              <a:rPr lang="en-ID" dirty="0"/>
+              <a:t> data dan </a:t>
+            </a:r>
+            <a:r>
+              <a:rPr lang="en-ID" dirty="0" err="1"/>
+              <a:t>membuat</a:t>
+            </a:r>
+            <a:r>
+              <a:rPr lang="en-ID" dirty="0"/>
+              <a:t> </a:t>
+            </a:r>
+            <a:r>
+              <a:rPr lang="en-ID" dirty="0" err="1"/>
+              <a:t>prediksi</a:t>
             </a:r>
             <a:r>
               <a:rPr lang="en-ID" dirty="0"/>
               <a:t>. </a:t>
             </a:r>
+          </a:p>
+          <a:p>
+            <a:r>
+              <a:rPr lang="en-ID" b="1" dirty="0" err="1"/>
+              <a:t>Visualisasi</a:t>
+            </a:r>
             <a:r>
               <a:rPr lang="en-ID" b="1" dirty="0"/>
-              <a:t>Teknik:</a:t>
-            </a:r>
-            <a:r>
-              <a:rPr lang="en-ID" dirty="0"/>
-              <a:t> classification, clustering, association rule mining, outlier detection</a:t>
-            </a:r>
-          </a:p>
-          <a:p>
-            <a:pPr lvl="1"/>
-            <a:r>
-              <a:rPr lang="en-ID" dirty="0" err="1"/>
-              <a:t>Contoh</a:t>
-            </a:r>
-            <a:r>
-              <a:rPr lang="en-ID" dirty="0"/>
-              <a:t>: </a:t>
-            </a:r>
-            <a:r>
-              <a:rPr lang="en-ID" dirty="0" err="1"/>
-              <a:t>Analisis</a:t>
-            </a:r>
-            <a:r>
-              <a:rPr lang="en-ID" dirty="0"/>
-              <a:t> </a:t>
-            </a:r>
-            <a:r>
-              <a:rPr lang="en-ID" dirty="0" err="1"/>
-              <a:t>perilaku</a:t>
-            </a:r>
-            <a:r>
-              <a:rPr lang="en-ID" dirty="0"/>
-              <a:t> </a:t>
-            </a:r>
-            <a:r>
-              <a:rPr lang="en-ID" dirty="0" err="1"/>
-              <a:t>pelanggan</a:t>
-            </a:r>
-            <a:r>
-              <a:rPr lang="en-ID" dirty="0"/>
-              <a:t> </a:t>
-            </a:r>
-            <a:r>
-              <a:rPr lang="en-ID" dirty="0" err="1"/>
-              <a:t>berdasarkan</a:t>
+              <a:t> Data:</a:t>
+            </a:r>
+            <a:r>
+              <a:rPr lang="en-ID" dirty="0"/>
+              <a:t> </a:t>
+            </a:r>
+            <a:r>
+              <a:rPr lang="en-ID" dirty="0" err="1"/>
+              <a:t>Penyajian</a:t>
             </a:r>
             <a:r>
               <a:rPr lang="en-ID" dirty="0"/>
@@ -4450,187 +5122,60 @@
             </a:r>
             <a:r>
               <a:rPr lang="en-ID" dirty="0" err="1"/>
-              <a:t>penjualan</a:t>
+              <a:t>dalam</a:t>
+            </a:r>
+            <a:r>
+              <a:rPr lang="en-ID" dirty="0"/>
+              <a:t> </a:t>
+            </a:r>
+            <a:r>
+              <a:rPr lang="en-ID" dirty="0" err="1"/>
+              <a:t>bentuk</a:t>
+            </a:r>
+            <a:r>
+              <a:rPr lang="en-ID" dirty="0"/>
+              <a:t> </a:t>
+            </a:r>
+            <a:r>
+              <a:rPr lang="en-ID" dirty="0" err="1"/>
+              <a:t>grafik</a:t>
+            </a:r>
+            <a:r>
+              <a:rPr lang="en-ID" dirty="0"/>
+              <a:t>, chart, </a:t>
+            </a:r>
+            <a:r>
+              <a:rPr lang="en-ID" dirty="0" err="1"/>
+              <a:t>atau</a:t>
+            </a:r>
+            <a:r>
+              <a:rPr lang="en-ID" dirty="0"/>
+              <a:t> dashboard </a:t>
+            </a:r>
+            <a:r>
+              <a:rPr lang="en-ID" dirty="0" err="1"/>
+              <a:t>untuk</a:t>
+            </a:r>
+            <a:r>
+              <a:rPr lang="en-ID" dirty="0"/>
+              <a:t> </a:t>
+            </a:r>
+            <a:r>
+              <a:rPr lang="en-ID" dirty="0" err="1"/>
+              <a:t>memudahkan</a:t>
+            </a:r>
+            <a:r>
+              <a:rPr lang="en-ID" dirty="0"/>
+              <a:t> </a:t>
+            </a:r>
+            <a:r>
+              <a:rPr lang="en-ID" dirty="0" err="1"/>
+              <a:t>pemahaman</a:t>
             </a:r>
             <a:r>
               <a:rPr lang="en-ID" dirty="0"/>
               <a:t>.</a:t>
             </a:r>
-          </a:p>
-          <a:p>
-            <a:pPr marL="457200" lvl="1" indent="0">
-              <a:buNone/>
-            </a:pPr>
-            <a:endParaRPr lang="en-ID" dirty="0"/>
-          </a:p>
-          <a:p>
-            <a:pPr marL="0" indent="0">
-              <a:buNone/>
-            </a:pPr>
-            <a:r>
-              <a:rPr lang="en-ID" b="1" dirty="0"/>
-              <a:t>Predictive Analytics</a:t>
-            </a:r>
-          </a:p>
-          <a:p>
-            <a:pPr lvl="1"/>
-            <a:r>
-              <a:rPr lang="en-ID" dirty="0" err="1"/>
-              <a:t>Penggunaan</a:t>
-            </a:r>
-            <a:r>
-              <a:rPr lang="en-ID" dirty="0"/>
-              <a:t> </a:t>
-            </a:r>
-            <a:r>
-              <a:rPr lang="en-ID" dirty="0" err="1"/>
-              <a:t>teknik</a:t>
-            </a:r>
-            <a:r>
-              <a:rPr lang="en-ID" dirty="0"/>
-              <a:t> </a:t>
-            </a:r>
-            <a:r>
-              <a:rPr lang="en-ID" dirty="0" err="1"/>
-              <a:t>statistik</a:t>
-            </a:r>
-            <a:r>
-              <a:rPr lang="en-ID" dirty="0"/>
-              <a:t> dan machine learning </a:t>
-            </a:r>
-            <a:r>
-              <a:rPr lang="en-ID" dirty="0" err="1"/>
-              <a:t>untuk</a:t>
-            </a:r>
-            <a:r>
-              <a:rPr lang="en-ID" dirty="0"/>
-              <a:t> </a:t>
-            </a:r>
-            <a:r>
-              <a:rPr lang="en-ID" dirty="0" err="1"/>
-              <a:t>membuat</a:t>
-            </a:r>
-            <a:r>
-              <a:rPr lang="en-ID" dirty="0"/>
-              <a:t> </a:t>
-            </a:r>
-            <a:r>
-              <a:rPr lang="en-ID" dirty="0" err="1"/>
-              <a:t>prediksi</a:t>
-            </a:r>
-            <a:r>
-              <a:rPr lang="en-ID" dirty="0"/>
-              <a:t> </a:t>
-            </a:r>
-            <a:r>
-              <a:rPr lang="en-ID" dirty="0" err="1"/>
-              <a:t>tentang</a:t>
-            </a:r>
-            <a:r>
-              <a:rPr lang="en-ID" dirty="0"/>
-              <a:t> </a:t>
-            </a:r>
-            <a:r>
-              <a:rPr lang="en-ID" dirty="0" err="1"/>
-              <a:t>kejadian</a:t>
-            </a:r>
-            <a:r>
-              <a:rPr lang="en-ID" dirty="0"/>
-              <a:t> masa </a:t>
-            </a:r>
-            <a:r>
-              <a:rPr lang="en-ID" dirty="0" err="1"/>
-              <a:t>depan</a:t>
-            </a:r>
-            <a:r>
-              <a:rPr lang="en-ID" dirty="0"/>
-              <a:t> </a:t>
-            </a:r>
-            <a:r>
-              <a:rPr lang="en-ID" dirty="0" err="1"/>
-              <a:t>berdasarkan</a:t>
-            </a:r>
-            <a:r>
-              <a:rPr lang="en-ID" dirty="0"/>
-              <a:t> data </a:t>
-            </a:r>
-            <a:r>
-              <a:rPr lang="en-ID" dirty="0" err="1"/>
-              <a:t>historis</a:t>
-            </a:r>
-            <a:r>
-              <a:rPr lang="en-ID" dirty="0"/>
-              <a:t>. </a:t>
-            </a:r>
-            <a:r>
-              <a:rPr lang="en-ID" b="1" dirty="0"/>
-              <a:t>Teknik:</a:t>
-            </a:r>
-            <a:r>
-              <a:rPr lang="en-ID" dirty="0"/>
-              <a:t> </a:t>
-            </a:r>
-            <a:r>
-              <a:rPr lang="en-ID" dirty="0" err="1"/>
-              <a:t>Regresi</a:t>
-            </a:r>
-            <a:r>
-              <a:rPr lang="en-ID" dirty="0"/>
-              <a:t>, time series analysis, classification.</a:t>
-            </a:r>
-          </a:p>
-          <a:p>
-            <a:pPr lvl="1"/>
-            <a:r>
-              <a:rPr lang="en-ID" dirty="0" err="1"/>
-              <a:t>Contoh</a:t>
-            </a:r>
-            <a:r>
-              <a:rPr lang="en-ID" dirty="0"/>
-              <a:t>: </a:t>
-            </a:r>
-            <a:r>
-              <a:rPr lang="en-ID" dirty="0" err="1"/>
-              <a:t>Memprediksi</a:t>
-            </a:r>
-            <a:r>
-              <a:rPr lang="en-ID" dirty="0"/>
-              <a:t> churn rate </a:t>
-            </a:r>
-            <a:r>
-              <a:rPr lang="en-ID" dirty="0" err="1"/>
-              <a:t>pelanggan</a:t>
-            </a:r>
-            <a:r>
-              <a:rPr lang="en-ID" dirty="0"/>
-              <a:t> </a:t>
-            </a:r>
-            <a:r>
-              <a:rPr lang="en-ID" dirty="0" err="1"/>
-              <a:t>berdasarkan</a:t>
-            </a:r>
-            <a:r>
-              <a:rPr lang="en-ID" dirty="0"/>
-              <a:t> </a:t>
-            </a:r>
-            <a:r>
-              <a:rPr lang="en-ID" dirty="0" err="1"/>
-              <a:t>riwayat</a:t>
-            </a:r>
-            <a:r>
-              <a:rPr lang="en-ID" dirty="0"/>
-              <a:t> </a:t>
-            </a:r>
-            <a:r>
-              <a:rPr lang="en-ID" dirty="0" err="1"/>
-              <a:t>interaksi</a:t>
-            </a:r>
-            <a:r>
-              <a:rPr lang="en-ID" dirty="0"/>
-              <a:t>.</a:t>
-            </a:r>
-          </a:p>
-          <a:p>
             <a:endParaRPr lang="en-US" dirty="0"/>
           </a:p>
         </p:txBody>
@@ -4638,7 +5183,7 @@
     </p:spTree>
     <p:extLst>
       <p:ext uri="{BB962C8B-B14F-4D97-AF65-F5344CB8AC3E}">
-        <p14:creationId xmlns:p14="http://schemas.microsoft.com/office/powerpoint/2010/main" val="24328485"/>
+        <p14:creationId xmlns:p14="http://schemas.microsoft.com/office/powerpoint/2010/main" val="3044320132"/>
       </p:ext>
     </p:extLst>
   </p:cSld>
@@ -4670,7 +5215,7 @@
           <p:cNvPr id="2" name="Title 1">
             <a:extLst>
               <a:ext uri="{FF2B5EF4-FFF2-40B4-BE49-F238E27FC236}">
-                <a16:creationId xmlns:a16="http://schemas.microsoft.com/office/drawing/2014/main" id="{B4096DCB-CD8A-086D-1E36-85FBE0AFD6C8}"/>
+                <a16:creationId xmlns:a16="http://schemas.microsoft.com/office/drawing/2014/main" id="{F72EC6AD-2DBA-4DBF-B152-671EB512A710}"/>
               </a:ext>
             </a:extLst>
           </p:cNvPr>
@@ -4687,26 +5232,17 @@
           <a:lstStyle/>
           <a:p>
             <a:r>
+              <a:rPr lang="en-ID" b="1" dirty="0"/>
+              <a:t>Teknik </a:t>
+            </a:r>
+            <a:r>
               <a:rPr lang="en-ID" b="1" dirty="0" err="1"/>
-              <a:t>Penggunaan</a:t>
+              <a:t>Analisis</a:t>
             </a:r>
             <a:r>
               <a:rPr lang="en-ID" b="1" dirty="0"/>
-              <a:t> Big Data </a:t>
-            </a:r>
-            <a:r>
-              <a:rPr lang="en-ID" b="1" dirty="0" err="1"/>
-              <a:t>dalam</a:t>
-            </a:r>
-            <a:r>
-              <a:rPr lang="en-ID" b="1" dirty="0"/>
-              <a:t> Dunia </a:t>
-            </a:r>
-            <a:r>
-              <a:rPr lang="en-ID" b="1" dirty="0" err="1"/>
-              <a:t>Bisnis</a:t>
-            </a:r>
-            <a:endParaRPr lang="en-US" dirty="0"/>
+              <a:t> Data</a:t>
+            </a:r>
           </a:p>
         </p:txBody>
       </p:sp>
@@ -4715,7 +5251,7 @@
           <p:cNvPr id="3" name="Content Placeholder 2">
             <a:extLst>
               <a:ext uri="{FF2B5EF4-FFF2-40B4-BE49-F238E27FC236}">
-                <a16:creationId xmlns:a16="http://schemas.microsoft.com/office/drawing/2014/main" id="{3B28F984-EFF4-6CD6-BCD9-1DE66BC52D25}"/>
+                <a16:creationId xmlns:a16="http://schemas.microsoft.com/office/drawing/2014/main" id="{AE766743-B589-40F1-261C-749D31A2C542}"/>
               </a:ext>
             </a:extLst>
           </p:cNvPr>
@@ -4729,7 +5265,7 @@
         <p:spPr/>
         <p:txBody>
           <a:bodyPr>
-            <a:normAutofit fontScale="92500" lnSpcReduction="20000"/>
+            <a:normAutofit/>
           </a:bodyPr>
           <a:lstStyle/>
           <a:p>
@@ -4737,16 +5273,79 @@
               <a:buNone/>
             </a:pPr>
             <a:r>
-              <a:rPr lang="en-ID" dirty="0"/>
-              <a:t>Big data </a:t>
-            </a:r>
-            <a:r>
-              <a:rPr lang="en-ID" dirty="0" err="1"/>
-              <a:t>mengacu</a:t>
-            </a:r>
-            <a:r>
-              <a:rPr lang="en-ID" dirty="0"/>
-              <a:t> pada volume </a:t>
+              <a:rPr lang="en-ID" b="1" dirty="0"/>
+              <a:t>Data Mining</a:t>
+            </a:r>
+          </a:p>
+          <a:p>
+            <a:pPr lvl="1"/>
+            <a:r>
+              <a:rPr lang="en-ID" dirty="0"/>
+              <a:t>Proses </a:t>
+            </a:r>
+            <a:r>
+              <a:rPr lang="en-ID" dirty="0" err="1"/>
+              <a:t>menemukan</a:t>
+            </a:r>
+            <a:r>
+              <a:rPr lang="en-ID" dirty="0"/>
+              <a:t> </a:t>
+            </a:r>
+            <a:r>
+              <a:rPr lang="en-ID" dirty="0" err="1"/>
+              <a:t>pola-pola</a:t>
+            </a:r>
+            <a:r>
+              <a:rPr lang="en-ID" dirty="0"/>
+              <a:t> yang </a:t>
+            </a:r>
+            <a:r>
+              <a:rPr lang="en-ID" dirty="0" err="1"/>
+              <a:t>menarik</a:t>
+            </a:r>
+            <a:r>
+              <a:rPr lang="en-ID" dirty="0"/>
+              <a:t>, </a:t>
+            </a:r>
+            <a:r>
+              <a:rPr lang="en-ID" dirty="0" err="1"/>
+              <a:t>tidak</a:t>
+            </a:r>
+            <a:r>
+              <a:rPr lang="en-ID" dirty="0"/>
+              <a:t> </a:t>
+            </a:r>
+            <a:r>
+              <a:rPr lang="en-ID" dirty="0" err="1"/>
+              <a:t>diketahui</a:t>
+            </a:r>
+            <a:r>
+              <a:rPr lang="en-ID" dirty="0"/>
+              <a:t> </a:t>
+            </a:r>
+            <a:r>
+              <a:rPr lang="en-ID" dirty="0" err="1"/>
+              <a:t>sebelumnya</a:t>
+            </a:r>
+            <a:r>
+              <a:rPr lang="en-ID" dirty="0"/>
+              <a:t>, dan </a:t>
+            </a:r>
+            <a:r>
+              <a:rPr lang="en-ID" dirty="0" err="1"/>
+              <a:t>berguna</a:t>
+            </a:r>
+            <a:r>
+              <a:rPr lang="en-ID" dirty="0"/>
+              <a:t> </a:t>
+            </a:r>
+            <a:r>
+              <a:rPr lang="en-ID" dirty="0" err="1"/>
+              <a:t>dalam</a:t>
+            </a:r>
+            <a:r>
+              <a:rPr lang="en-ID" dirty="0"/>
+              <a:t> data yang </a:t>
             </a:r>
             <a:r>
               <a:rPr lang="en-ID" dirty="0" err="1"/>
@@ -4754,140 +5353,231 @@
             </a:r>
             <a:r>
               <a:rPr lang="en-ID" dirty="0"/>
-              <a:t> data yang </a:t>
-            </a:r>
-            <a:r>
-              <a:rPr lang="en-ID" dirty="0" err="1"/>
-              <a:t>dihasilkan</a:t>
-            </a:r>
-            <a:r>
-              <a:rPr lang="en-ID" dirty="0"/>
-              <a:t> </a:t>
-            </a:r>
-            <a:r>
-              <a:rPr lang="en-ID" dirty="0" err="1"/>
-              <a:t>dari</a:t>
-            </a:r>
-            <a:r>
-              <a:rPr lang="en-ID" dirty="0"/>
-              <a:t> </a:t>
-            </a:r>
-            <a:r>
-              <a:rPr lang="en-ID" dirty="0" err="1"/>
-              <a:t>berbagai</a:t>
-            </a:r>
-            <a:r>
-              <a:rPr lang="en-ID" dirty="0"/>
-              <a:t> </a:t>
-            </a:r>
-            <a:r>
-              <a:rPr lang="en-ID" dirty="0" err="1"/>
-              <a:t>sumber</a:t>
-            </a:r>
-            <a:r>
-              <a:rPr lang="en-ID" dirty="0"/>
-              <a:t> </a:t>
-            </a:r>
-            <a:r>
-              <a:rPr lang="en-ID" dirty="0" err="1"/>
-              <a:t>seperti</a:t>
-            </a:r>
-            <a:r>
-              <a:rPr lang="en-ID" dirty="0"/>
-              <a:t> media </a:t>
-            </a:r>
-            <a:r>
-              <a:rPr lang="en-ID" dirty="0" err="1"/>
-              <a:t>sosial</a:t>
-            </a:r>
-            <a:r>
-              <a:rPr lang="en-ID" dirty="0"/>
-              <a:t>, </a:t>
-            </a:r>
-            <a:r>
-              <a:rPr lang="en-ID" dirty="0" err="1"/>
-              <a:t>transaksi</a:t>
-            </a:r>
-            <a:r>
-              <a:rPr lang="en-ID" dirty="0"/>
-              <a:t> online, sensor IoT, dan </a:t>
-            </a:r>
-            <a:r>
-              <a:rPr lang="en-ID" dirty="0" err="1"/>
-              <a:t>lainnya</a:t>
-            </a:r>
-            <a:r>
-              <a:rPr lang="en-ID" dirty="0"/>
               <a:t>. </a:t>
             </a:r>
             <a:r>
-              <a:rPr lang="en-ID" dirty="0" err="1"/>
-              <a:t>Dalam</a:t>
-            </a:r>
-            <a:r>
-              <a:rPr lang="en-ID" dirty="0"/>
-              <a:t> </a:t>
-            </a:r>
-            <a:r>
-              <a:rPr lang="en-ID" dirty="0" err="1"/>
-              <a:t>bisnis</a:t>
-            </a:r>
-            <a:r>
-              <a:rPr lang="en-ID" dirty="0"/>
-              <a:t>, big data </a:t>
-            </a:r>
-            <a:r>
-              <a:rPr lang="en-ID" dirty="0" err="1"/>
-              <a:t>digunakan</a:t>
-            </a:r>
-            <a:r>
-              <a:rPr lang="en-ID" dirty="0"/>
-              <a:t> </a:t>
-            </a:r>
-            <a:r>
-              <a:rPr lang="en-ID" dirty="0" err="1"/>
-              <a:t>untuk</a:t>
-            </a:r>
-            <a:r>
-              <a:rPr lang="en-ID" dirty="0"/>
-              <a:t>:</a:t>
-            </a:r>
+              <a:rPr lang="en-ID" b="1" dirty="0"/>
+              <a:t>Teknik:</a:t>
+            </a:r>
+            <a:r>
+              <a:rPr lang="en-ID" dirty="0"/>
+              <a:t> classification, clustering, association rule mining, outlier detection</a:t>
+            </a:r>
+          </a:p>
+          <a:p>
+            <a:pPr lvl="1"/>
+            <a:r>
+              <a:rPr lang="en-ID" dirty="0" err="1"/>
+              <a:t>Contoh</a:t>
+            </a:r>
+            <a:r>
+              <a:rPr lang="en-ID" dirty="0"/>
+              <a:t>: </a:t>
+            </a:r>
+            <a:r>
+              <a:rPr lang="en-ID" dirty="0" err="1"/>
+              <a:t>Analisis</a:t>
+            </a:r>
+            <a:r>
+              <a:rPr lang="en-ID" dirty="0"/>
+              <a:t> </a:t>
+            </a:r>
+            <a:r>
+              <a:rPr lang="en-ID" dirty="0" err="1"/>
+              <a:t>perilaku</a:t>
+            </a:r>
+            <a:r>
+              <a:rPr lang="en-ID" dirty="0"/>
+              <a:t> </a:t>
+            </a:r>
+            <a:r>
+              <a:rPr lang="en-ID" dirty="0" err="1"/>
+              <a:t>pelanggan</a:t>
+            </a:r>
+            <a:r>
+              <a:rPr lang="en-ID" dirty="0"/>
+              <a:t> </a:t>
+            </a:r>
+            <a:r>
+              <a:rPr lang="en-ID" dirty="0" err="1"/>
+              <a:t>berdasarkan</a:t>
+            </a:r>
+            <a:r>
+              <a:rPr lang="en-ID" dirty="0"/>
+              <a:t> data </a:t>
+            </a:r>
+            <a:r>
+              <a:rPr lang="en-ID" dirty="0" err="1"/>
+              <a:t>penjualan</a:t>
+            </a:r>
+            <a:r>
+              <a:rPr lang="en-ID" dirty="0"/>
+              <a:t>.</a:t>
+            </a:r>
+          </a:p>
+          <a:p>
+            <a:pPr marL="457200" lvl="1" indent="0">
+              <a:buNone/>
+            </a:pPr>
+            <a:endParaRPr lang="en-ID" dirty="0"/>
           </a:p>
           <a:p>
             <a:pPr marL="0" indent="0">
               <a:buNone/>
             </a:pPr>
             <a:r>
-              <a:rPr lang="en-ID" b="1" dirty="0" err="1"/>
-              <a:t>Peningkatan</a:t>
-            </a:r>
-            <a:r>
               <a:rPr lang="en-ID" b="1" dirty="0"/>
-              <a:t> </a:t>
-            </a:r>
-            <a:r>
-              <a:rPr lang="en-ID" b="1" dirty="0" err="1"/>
-              <a:t>Layanan</a:t>
+              <a:t>Predictive Analytics</a:t>
+            </a:r>
+          </a:p>
+          <a:p>
+            <a:pPr lvl="1"/>
+            <a:r>
+              <a:rPr lang="en-ID" dirty="0" err="1"/>
+              <a:t>Penggunaan</a:t>
+            </a:r>
+            <a:r>
+              <a:rPr lang="en-ID" dirty="0"/>
+              <a:t> </a:t>
+            </a:r>
+            <a:r>
+              <a:rPr lang="en-ID" dirty="0" err="1"/>
+              <a:t>teknik</a:t>
+            </a:r>
+            <a:r>
+              <a:rPr lang="en-ID" dirty="0"/>
+              <a:t> </a:t>
+            </a:r>
+            <a:r>
+              <a:rPr lang="en-ID" dirty="0" err="1"/>
+              <a:t>statistik</a:t>
+            </a:r>
+            <a:r>
+              <a:rPr lang="en-ID" dirty="0"/>
+              <a:t> dan machine learning </a:t>
+            </a:r>
+            <a:r>
+              <a:rPr lang="en-ID" dirty="0" err="1"/>
+              <a:t>untuk</a:t>
+            </a:r>
+            <a:r>
+              <a:rPr lang="en-ID" dirty="0"/>
+              <a:t> </a:t>
+            </a:r>
+            <a:r>
+              <a:rPr lang="en-ID" dirty="0" err="1"/>
+              <a:t>membuat</a:t>
+            </a:r>
+            <a:r>
+              <a:rPr lang="en-ID" dirty="0"/>
+              <a:t> </a:t>
+            </a:r>
+            <a:r>
+              <a:rPr lang="en-ID" dirty="0" err="1"/>
+              <a:t>prediksi</a:t>
+            </a:r>
+            <a:r>
+              <a:rPr lang="en-ID" dirty="0"/>
+              <a:t> </a:t>
+            </a:r>
+            <a:r>
+              <a:rPr lang="en-ID" dirty="0" err="1"/>
+              <a:t>tentang</a:t>
+            </a:r>
+            <a:r>
+              <a:rPr lang="en-ID" dirty="0"/>
+              <a:t> </a:t>
+            </a:r>
+            <a:r>
+              <a:rPr lang="en-ID" dirty="0" err="1"/>
+              <a:t>kejadian</a:t>
+            </a:r>
+            <a:r>
+              <a:rPr lang="en-ID" dirty="0"/>
+              <a:t> masa </a:t>
+            </a:r>
+            <a:r>
+              <a:rPr lang="en-ID" dirty="0" err="1"/>
+              <a:t>depan</a:t>
+            </a:r>
+            <a:r>
+              <a:rPr lang="en-ID" dirty="0"/>
+              <a:t> </a:t>
+            </a:r>
+            <a:r>
+              <a:rPr lang="en-ID" dirty="0" err="1"/>
+              <a:t>berdasarkan</a:t>
+            </a:r>
+            <a:r>
+              <a:rPr lang="en-ID" dirty="0"/>
+              <a:t> data </a:t>
+            </a:r>
+            <a:r>
+              <a:rPr lang="en-ID" dirty="0" err="1"/>
+              <a:t>historis</a:t>
+            </a:r>
+            <a:r>
+              <a:rPr lang="en-ID" dirty="0"/>
+              <a:t>. </a:t>
             </a:r>
             <a:r>
               <a:rPr lang="en-ID" b="1" dirty="0"/>
-              <a:t> </a:t>
-            </a:r>
-            <a:r>
-              <a:rPr lang="en-ID" b="1" dirty="0" err="1"/>
-              <a:t>Pelanggan</a:t>
-            </a:r>
-            <a:endParaRPr lang="en-ID" dirty="0"/>
+              <a:t>Teknik:</a:t>
+            </a:r>
+            <a:r>
+              <a:rPr lang="en-ID" dirty="0"/>
+              <a:t> </a:t>
+            </a:r>
+            <a:r>
+              <a:rPr lang="en-ID" dirty="0" err="1"/>
+              <a:t>Regresi</a:t>
+            </a:r>
+            <a:r>
+              <a:rPr lang="en-ID" dirty="0"/>
+              <a:t>, time series analysis, classification.</a:t>
+            </a:r>
           </a:p>
           <a:p>
             <a:pPr lvl="1"/>
             <a:r>
               <a:rPr lang="en-ID" dirty="0" err="1"/>
-              <a:t>Analisis</a:t>
-            </a:r>
-            <a:r>
-              <a:rPr lang="en-ID" dirty="0"/>
-              <a:t> data </a:t>
+              <a:t>Contoh</a:t>
+            </a:r>
+            <a:r>
+              <a:rPr lang="en-ID" dirty="0"/>
+              <a:t>: </a:t>
+            </a:r>
+            <a:r>
+              <a:rPr lang="en-ID" dirty="0" err="1"/>
+              <a:t>Memprediksi</a:t>
+            </a:r>
+            <a:r>
+              <a:rPr lang="en-ID" dirty="0"/>
+              <a:t> churn rate </a:t>
+            </a:r>
+            <a:r>
+              <a:rPr lang="en-ID" dirty="0" err="1"/>
+              <a:t>pelanggan</a:t>
+            </a:r>
+            <a:r>
+              <a:rPr lang="en-ID" dirty="0"/>
+              <a:t> </a:t>
+            </a:r>
+            <a:r>
+              <a:rPr lang="en-ID" dirty="0" err="1"/>
+              <a:t>berdasarkan</a:t>
+            </a:r>
+            <a:r>
+              <a:rPr lang="en-ID" dirty="0"/>
+              <a:t> </a:t>
+            </a:r>
+            <a:r>
+              <a:rPr lang="en-ID" dirty="0" err="1"/>
+              <a:t>riwayat</a:t>
+            </a:r>
+            <a:r>
+              <a:rPr lang="en-ID" dirty="0"/>
+              <a:t> </a:t>
             </a:r>
             <a:r>
               <a:rPr lang="en-ID" dirty="0" err="1"/>
@@ -4895,298 +5585,7 @@
             </a:r>
             <a:r>
               <a:rPr lang="en-ID" dirty="0"/>
-              <a:t> </a:t>
-            </a:r>
-            <a:r>
-              <a:rPr lang="en-ID" dirty="0" err="1"/>
-              <a:t>pelanggan</a:t>
-            </a:r>
-            <a:r>
-              <a:rPr lang="en-ID" dirty="0"/>
-              <a:t> </a:t>
-            </a:r>
-            <a:r>
-              <a:rPr lang="en-ID" dirty="0" err="1"/>
-              <a:t>untuk</a:t>
-            </a:r>
-            <a:r>
-              <a:rPr lang="en-ID" dirty="0"/>
-              <a:t> </a:t>
-            </a:r>
-            <a:r>
-              <a:rPr lang="en-ID" dirty="0" err="1"/>
-              <a:t>memberikan</a:t>
-            </a:r>
-            <a:r>
-              <a:rPr lang="en-ID" dirty="0"/>
-              <a:t> </a:t>
-            </a:r>
-            <a:r>
-              <a:rPr lang="en-ID" dirty="0" err="1"/>
-              <a:t>layanan</a:t>
-            </a:r>
-            <a:r>
-              <a:rPr lang="en-ID" dirty="0"/>
-              <a:t> yang </a:t>
-            </a:r>
-            <a:r>
-              <a:rPr lang="en-ID" dirty="0" err="1"/>
-              <a:t>lebih</a:t>
-            </a:r>
-            <a:r>
-              <a:rPr lang="en-ID" dirty="0"/>
-              <a:t> personal.</a:t>
-            </a:r>
-          </a:p>
-          <a:p>
-            <a:pPr lvl="1"/>
-            <a:r>
-              <a:rPr lang="en-ID" dirty="0" err="1"/>
-              <a:t>Contoh</a:t>
-            </a:r>
-            <a:r>
-              <a:rPr lang="en-ID" dirty="0"/>
-              <a:t>: </a:t>
-            </a:r>
-            <a:r>
-              <a:rPr lang="en-ID" dirty="0" err="1"/>
-              <a:t>Rekomendasi</a:t>
-            </a:r>
-            <a:r>
-              <a:rPr lang="en-ID" dirty="0"/>
-              <a:t> </a:t>
-            </a:r>
-            <a:r>
-              <a:rPr lang="en-ID" dirty="0" err="1"/>
-              <a:t>produk</a:t>
-            </a:r>
-            <a:r>
-              <a:rPr lang="en-ID" dirty="0"/>
-              <a:t> di e-commerce.</a:t>
-            </a:r>
-          </a:p>
-          <a:p>
-            <a:pPr marL="0" indent="0">
-              <a:buNone/>
-            </a:pPr>
-            <a:r>
-              <a:rPr lang="en-ID" b="1" dirty="0" err="1"/>
-              <a:t>Efisiensi</a:t>
-            </a:r>
-            <a:r>
-              <a:rPr lang="en-ID" b="1" dirty="0"/>
-              <a:t> </a:t>
-            </a:r>
-            <a:r>
-              <a:rPr lang="en-ID" b="1" dirty="0" err="1"/>
-              <a:t>Operasional</a:t>
-            </a:r>
-            <a:endParaRPr lang="en-ID" dirty="0"/>
-          </a:p>
-          <a:p>
-            <a:pPr lvl="1"/>
-            <a:r>
-              <a:rPr lang="en-ID" dirty="0" err="1"/>
-              <a:t>Menggunakan</a:t>
-            </a:r>
-            <a:r>
-              <a:rPr lang="en-ID" dirty="0"/>
-              <a:t> data real-time </a:t>
-            </a:r>
-            <a:r>
-              <a:rPr lang="en-ID" dirty="0" err="1"/>
-              <a:t>untuk</a:t>
-            </a:r>
-            <a:r>
-              <a:rPr lang="en-ID" dirty="0"/>
-              <a:t> </a:t>
-            </a:r>
-            <a:r>
-              <a:rPr lang="en-ID" dirty="0" err="1"/>
-              <a:t>optimisasi</a:t>
-            </a:r>
-            <a:r>
-              <a:rPr lang="en-ID" dirty="0"/>
-              <a:t> proses </a:t>
-            </a:r>
-            <a:r>
-              <a:rPr lang="en-ID" dirty="0" err="1"/>
-              <a:t>bisnis</a:t>
-            </a:r>
-            <a:r>
-              <a:rPr lang="en-ID" dirty="0"/>
               <a:t>.</a:t>
-            </a:r>
-          </a:p>
-          <a:p>
-            <a:pPr lvl="1"/>
-            <a:r>
-              <a:rPr lang="en-ID" dirty="0" err="1"/>
-              <a:t>Contoh</a:t>
-            </a:r>
-            <a:r>
-              <a:rPr lang="en-ID" dirty="0"/>
-              <a:t>: </a:t>
-            </a:r>
-            <a:r>
-              <a:rPr lang="en-ID" dirty="0" err="1"/>
-              <a:t>Pemantauan</a:t>
-            </a:r>
-            <a:r>
-              <a:rPr lang="en-ID" dirty="0"/>
-              <a:t> </a:t>
-            </a:r>
-            <a:r>
-              <a:rPr lang="en-ID" dirty="0" err="1"/>
-              <a:t>rantai</a:t>
-            </a:r>
-            <a:r>
-              <a:rPr lang="en-ID" dirty="0"/>
-              <a:t> </a:t>
-            </a:r>
-            <a:r>
-              <a:rPr lang="en-ID" dirty="0" err="1"/>
-              <a:t>pasokan</a:t>
-            </a:r>
-            <a:r>
-              <a:rPr lang="en-ID" dirty="0"/>
-              <a:t> </a:t>
-            </a:r>
-            <a:r>
-              <a:rPr lang="en-ID" dirty="0" err="1"/>
-              <a:t>secara</a:t>
-            </a:r>
-            <a:r>
-              <a:rPr lang="en-ID" dirty="0"/>
-              <a:t> </a:t>
-            </a:r>
-            <a:r>
-              <a:rPr lang="en-ID" dirty="0" err="1"/>
-              <a:t>langsung</a:t>
-            </a:r>
-            <a:r>
-              <a:rPr lang="en-ID" dirty="0"/>
-              <a:t>.</a:t>
-            </a:r>
-          </a:p>
-          <a:p>
-            <a:pPr marL="0" indent="0">
-              <a:buNone/>
-            </a:pPr>
-            <a:r>
-              <a:rPr lang="en-ID" b="1" dirty="0" err="1"/>
-              <a:t>Inovasi</a:t>
-            </a:r>
-            <a:r>
-              <a:rPr lang="en-ID" b="1" dirty="0"/>
-              <a:t> </a:t>
-            </a:r>
-            <a:r>
-              <a:rPr lang="en-ID" b="1" dirty="0" err="1"/>
-              <a:t>Produk</a:t>
-            </a:r>
-            <a:endParaRPr lang="en-ID" dirty="0"/>
-          </a:p>
-          <a:p>
-            <a:pPr lvl="1"/>
-            <a:r>
-              <a:rPr lang="en-ID" dirty="0" err="1"/>
-              <a:t>Mengidentifikasi</a:t>
-            </a:r>
-            <a:r>
-              <a:rPr lang="en-ID" dirty="0"/>
-              <a:t> </a:t>
-            </a:r>
-            <a:r>
-              <a:rPr lang="en-ID" dirty="0" err="1"/>
-              <a:t>kebutuhan</a:t>
-            </a:r>
-            <a:r>
-              <a:rPr lang="en-ID" dirty="0"/>
-              <a:t> </a:t>
-            </a:r>
-            <a:r>
-              <a:rPr lang="en-ID" dirty="0" err="1"/>
-              <a:t>pelanggan</a:t>
-            </a:r>
-            <a:r>
-              <a:rPr lang="en-ID" dirty="0"/>
-              <a:t> </a:t>
-            </a:r>
-            <a:r>
-              <a:rPr lang="en-ID" dirty="0" err="1"/>
-              <a:t>baru</a:t>
-            </a:r>
-            <a:r>
-              <a:rPr lang="en-ID" dirty="0"/>
-              <a:t> </a:t>
-            </a:r>
-            <a:r>
-              <a:rPr lang="en-ID" dirty="0" err="1"/>
-              <a:t>berdasarkan</a:t>
-            </a:r>
-            <a:r>
-              <a:rPr lang="en-ID" dirty="0"/>
-              <a:t> </a:t>
-            </a:r>
-            <a:r>
-              <a:rPr lang="en-ID" dirty="0" err="1"/>
-              <a:t>analisis</a:t>
-            </a:r>
-            <a:r>
-              <a:rPr lang="en-ID" dirty="0"/>
-              <a:t> data </a:t>
-            </a:r>
-            <a:r>
-              <a:rPr lang="en-ID" dirty="0" err="1"/>
-              <a:t>besar</a:t>
-            </a:r>
-            <a:r>
-              <a:rPr lang="en-ID" dirty="0"/>
-              <a:t>.</a:t>
-            </a:r>
-          </a:p>
-          <a:p>
-            <a:pPr lvl="1"/>
-            <a:r>
-              <a:rPr lang="en-ID" dirty="0" err="1"/>
-              <a:t>Contoh</a:t>
-            </a:r>
-            <a:r>
-              <a:rPr lang="en-ID" dirty="0"/>
-              <a:t>: Desain </a:t>
-            </a:r>
-            <a:r>
-              <a:rPr lang="en-ID" dirty="0" err="1"/>
-              <a:t>produk</a:t>
-            </a:r>
-            <a:r>
-              <a:rPr lang="en-ID" dirty="0"/>
-              <a:t> </a:t>
-            </a:r>
-            <a:r>
-              <a:rPr lang="en-ID" dirty="0" err="1"/>
-              <a:t>baru</a:t>
-            </a:r>
-            <a:r>
-              <a:rPr lang="en-ID" dirty="0"/>
-              <a:t> </a:t>
-            </a:r>
-            <a:r>
-              <a:rPr lang="en-ID" dirty="0" err="1"/>
-              <a:t>berdasarkan</a:t>
-            </a:r>
-            <a:r>
-              <a:rPr lang="en-ID" dirty="0"/>
-              <a:t> </a:t>
-            </a:r>
-            <a:r>
-              <a:rPr lang="en-ID" dirty="0" err="1"/>
-              <a:t>tren</a:t>
-            </a:r>
-            <a:r>
-              <a:rPr lang="en-ID" dirty="0"/>
-              <a:t> pasar.</a:t>
             </a:r>
           </a:p>
           <a:p>
@@ -5197,7 +5596,7 @@
     </p:spTree>
     <p:extLst>
       <p:ext uri="{BB962C8B-B14F-4D97-AF65-F5344CB8AC3E}">
-        <p14:creationId xmlns:p14="http://schemas.microsoft.com/office/powerpoint/2010/main" val="1120676461"/>
+        <p14:creationId xmlns:p14="http://schemas.microsoft.com/office/powerpoint/2010/main" val="24328485"/>
       </p:ext>
     </p:extLst>
   </p:cSld>
@@ -5229,6 +5628,565 @@
           <p:cNvPr id="2" name="Title 1">
             <a:extLst>
               <a:ext uri="{FF2B5EF4-FFF2-40B4-BE49-F238E27FC236}">
+                <a16:creationId xmlns:a16="http://schemas.microsoft.com/office/drawing/2014/main" id="{B4096DCB-CD8A-086D-1E36-85FBE0AFD6C8}"/>
+              </a:ext>
+            </a:extLst>
+          </p:cNvPr>
+          <p:cNvSpPr>
+            <a:spLocks noGrp="1"/>
+          </p:cNvSpPr>
+          <p:nvPr>
+            <p:ph type="title"/>
+          </p:nvPr>
+        </p:nvSpPr>
+        <p:spPr/>
+        <p:txBody>
+          <a:bodyPr/>
+          <a:lstStyle/>
+          <a:p>
+            <a:r>
+              <a:rPr lang="en-ID" b="1" dirty="0" err="1"/>
+              <a:t>Penggunaan</a:t>
+            </a:r>
+            <a:r>
+              <a:rPr lang="en-ID" b="1" dirty="0"/>
+              <a:t> Big Data </a:t>
+            </a:r>
+            <a:r>
+              <a:rPr lang="en-ID" b="1" dirty="0" err="1"/>
+              <a:t>dalam</a:t>
+            </a:r>
+            <a:r>
+              <a:rPr lang="en-ID" b="1" dirty="0"/>
+              <a:t> Dunia </a:t>
+            </a:r>
+            <a:r>
+              <a:rPr lang="en-ID" b="1" dirty="0" err="1"/>
+              <a:t>Bisnis</a:t>
+            </a:r>
+            <a:endParaRPr lang="en-US" dirty="0"/>
+          </a:p>
+        </p:txBody>
+      </p:sp>
+      <p:sp>
+        <p:nvSpPr>
+          <p:cNvPr id="3" name="Content Placeholder 2">
+            <a:extLst>
+              <a:ext uri="{FF2B5EF4-FFF2-40B4-BE49-F238E27FC236}">
+                <a16:creationId xmlns:a16="http://schemas.microsoft.com/office/drawing/2014/main" id="{3B28F984-EFF4-6CD6-BCD9-1DE66BC52D25}"/>
+              </a:ext>
+            </a:extLst>
+          </p:cNvPr>
+          <p:cNvSpPr>
+            <a:spLocks noGrp="1"/>
+          </p:cNvSpPr>
+          <p:nvPr>
+            <p:ph idx="1"/>
+          </p:nvPr>
+        </p:nvSpPr>
+        <p:spPr/>
+        <p:txBody>
+          <a:bodyPr>
+            <a:normAutofit fontScale="92500" lnSpcReduction="20000"/>
+          </a:bodyPr>
+          <a:lstStyle/>
+          <a:p>
+            <a:pPr marL="0" indent="0">
+              <a:buNone/>
+            </a:pPr>
+            <a:r>
+              <a:rPr lang="en-ID" dirty="0"/>
+              <a:t>Big data </a:t>
+            </a:r>
+            <a:r>
+              <a:rPr lang="en-ID" dirty="0" err="1"/>
+              <a:t>mengacu</a:t>
+            </a:r>
+            <a:r>
+              <a:rPr lang="en-ID" dirty="0"/>
+              <a:t> pada volume </a:t>
+            </a:r>
+            <a:r>
+              <a:rPr lang="en-ID" dirty="0" err="1"/>
+              <a:t>besar</a:t>
+            </a:r>
+            <a:r>
+              <a:rPr lang="en-ID" dirty="0"/>
+              <a:t> data yang </a:t>
+            </a:r>
+            <a:r>
+              <a:rPr lang="en-ID" dirty="0" err="1"/>
+              <a:t>dihasilkan</a:t>
+            </a:r>
+            <a:r>
+              <a:rPr lang="en-ID" dirty="0"/>
+              <a:t> </a:t>
+            </a:r>
+            <a:r>
+              <a:rPr lang="en-ID" dirty="0" err="1"/>
+              <a:t>dari</a:t>
+            </a:r>
+            <a:r>
+              <a:rPr lang="en-ID" dirty="0"/>
+              <a:t> </a:t>
+            </a:r>
+            <a:r>
+              <a:rPr lang="en-ID" dirty="0" err="1"/>
+              <a:t>berbagai</a:t>
+            </a:r>
+            <a:r>
+              <a:rPr lang="en-ID" dirty="0"/>
+              <a:t> </a:t>
+            </a:r>
+            <a:r>
+              <a:rPr lang="en-ID" dirty="0" err="1"/>
+              <a:t>sumber</a:t>
+            </a:r>
+            <a:r>
+              <a:rPr lang="en-ID" dirty="0"/>
+              <a:t> </a:t>
+            </a:r>
+            <a:r>
+              <a:rPr lang="en-ID" dirty="0" err="1"/>
+              <a:t>seperti</a:t>
+            </a:r>
+            <a:r>
+              <a:rPr lang="en-ID" dirty="0"/>
+              <a:t> media </a:t>
+            </a:r>
+            <a:r>
+              <a:rPr lang="en-ID" dirty="0" err="1"/>
+              <a:t>sosial</a:t>
+            </a:r>
+            <a:r>
+              <a:rPr lang="en-ID" dirty="0"/>
+              <a:t>, </a:t>
+            </a:r>
+            <a:r>
+              <a:rPr lang="en-ID" dirty="0" err="1"/>
+              <a:t>transaksi</a:t>
+            </a:r>
+            <a:r>
+              <a:rPr lang="en-ID" dirty="0"/>
+              <a:t> online, sensor IoT, dan </a:t>
+            </a:r>
+            <a:r>
+              <a:rPr lang="en-ID" dirty="0" err="1"/>
+              <a:t>lainnya</a:t>
+            </a:r>
+            <a:r>
+              <a:rPr lang="en-ID" dirty="0"/>
+              <a:t>. </a:t>
+            </a:r>
+            <a:r>
+              <a:rPr lang="en-ID" dirty="0" err="1"/>
+              <a:t>Dalam</a:t>
+            </a:r>
+            <a:r>
+              <a:rPr lang="en-ID" dirty="0"/>
+              <a:t> </a:t>
+            </a:r>
+            <a:r>
+              <a:rPr lang="en-ID" dirty="0" err="1"/>
+              <a:t>bisnis</a:t>
+            </a:r>
+            <a:r>
+              <a:rPr lang="en-ID" dirty="0"/>
+              <a:t>, big data </a:t>
+            </a:r>
+            <a:r>
+              <a:rPr lang="en-ID" dirty="0" err="1"/>
+              <a:t>digunakan</a:t>
+            </a:r>
+            <a:r>
+              <a:rPr lang="en-ID" dirty="0"/>
+              <a:t> </a:t>
+            </a:r>
+            <a:r>
+              <a:rPr lang="en-ID" dirty="0" err="1"/>
+              <a:t>untuk</a:t>
+            </a:r>
+            <a:r>
+              <a:rPr lang="en-ID" dirty="0"/>
+              <a:t>:</a:t>
+            </a:r>
+          </a:p>
+          <a:p>
+            <a:pPr marL="0" indent="0">
+              <a:buNone/>
+            </a:pPr>
+            <a:r>
+              <a:rPr lang="en-ID" b="1" dirty="0" err="1"/>
+              <a:t>Peningkatan</a:t>
+            </a:r>
+            <a:r>
+              <a:rPr lang="en-ID" b="1" dirty="0"/>
+              <a:t> </a:t>
+            </a:r>
+            <a:r>
+              <a:rPr lang="en-ID" b="1" dirty="0" err="1"/>
+              <a:t>Layanan</a:t>
+            </a:r>
+            <a:r>
+              <a:rPr lang="en-ID" b="1" dirty="0"/>
+              <a:t> </a:t>
+            </a:r>
+            <a:r>
+              <a:rPr lang="en-ID" b="1" dirty="0" err="1"/>
+              <a:t>Pelanggan</a:t>
+            </a:r>
+            <a:endParaRPr lang="en-ID" dirty="0"/>
+          </a:p>
+          <a:p>
+            <a:pPr lvl="1"/>
+            <a:r>
+              <a:rPr lang="en-ID" dirty="0" err="1"/>
+              <a:t>Analisis</a:t>
+            </a:r>
+            <a:r>
+              <a:rPr lang="en-ID" dirty="0"/>
+              <a:t> data </a:t>
+            </a:r>
+            <a:r>
+              <a:rPr lang="en-ID" dirty="0" err="1"/>
+              <a:t>interaksi</a:t>
+            </a:r>
+            <a:r>
+              <a:rPr lang="en-ID" dirty="0"/>
+              <a:t> </a:t>
+            </a:r>
+            <a:r>
+              <a:rPr lang="en-ID" dirty="0" err="1"/>
+              <a:t>pelanggan</a:t>
+            </a:r>
+            <a:r>
+              <a:rPr lang="en-ID" dirty="0"/>
+              <a:t> </a:t>
+            </a:r>
+            <a:r>
+              <a:rPr lang="en-ID" dirty="0" err="1"/>
+              <a:t>untuk</a:t>
+            </a:r>
+            <a:r>
+              <a:rPr lang="en-ID" dirty="0"/>
+              <a:t> </a:t>
+            </a:r>
+            <a:r>
+              <a:rPr lang="en-ID" dirty="0" err="1"/>
+              <a:t>memberikan</a:t>
+            </a:r>
+            <a:r>
+              <a:rPr lang="en-ID" dirty="0"/>
+              <a:t> </a:t>
+            </a:r>
+            <a:r>
+              <a:rPr lang="en-ID" dirty="0" err="1"/>
+              <a:t>layanan</a:t>
+            </a:r>
+            <a:r>
+              <a:rPr lang="en-ID" dirty="0"/>
+              <a:t> yang </a:t>
+            </a:r>
+            <a:r>
+              <a:rPr lang="en-ID" dirty="0" err="1"/>
+              <a:t>lebih</a:t>
+            </a:r>
+            <a:r>
+              <a:rPr lang="en-ID" dirty="0"/>
+              <a:t> personal.</a:t>
+            </a:r>
+          </a:p>
+          <a:p>
+            <a:pPr lvl="1"/>
+            <a:r>
+              <a:rPr lang="en-ID" dirty="0" err="1"/>
+              <a:t>Contoh</a:t>
+            </a:r>
+            <a:r>
+              <a:rPr lang="en-ID" dirty="0"/>
+              <a:t>: </a:t>
+            </a:r>
+            <a:r>
+              <a:rPr lang="en-ID" dirty="0" err="1"/>
+              <a:t>Rekomendasi</a:t>
+            </a:r>
+            <a:r>
+              <a:rPr lang="en-ID" dirty="0"/>
+              <a:t> </a:t>
+            </a:r>
+            <a:r>
+              <a:rPr lang="en-ID" dirty="0" err="1"/>
+              <a:t>produk</a:t>
+            </a:r>
+            <a:r>
+              <a:rPr lang="en-ID" dirty="0"/>
+              <a:t> di e-commerce.</a:t>
+            </a:r>
+          </a:p>
+          <a:p>
+            <a:pPr marL="0" indent="0">
+              <a:buNone/>
+            </a:pPr>
+            <a:r>
+              <a:rPr lang="en-ID" b="1" dirty="0" err="1"/>
+              <a:t>Efisiensi</a:t>
+            </a:r>
+            <a:r>
+              <a:rPr lang="en-ID" b="1" dirty="0"/>
+              <a:t> </a:t>
+            </a:r>
+            <a:r>
+              <a:rPr lang="en-ID" b="1" dirty="0" err="1"/>
+              <a:t>Operasional</a:t>
+            </a:r>
+            <a:endParaRPr lang="en-ID" dirty="0"/>
+          </a:p>
+          <a:p>
+            <a:pPr lvl="1"/>
+            <a:r>
+              <a:rPr lang="en-ID" dirty="0" err="1"/>
+              <a:t>Menggunakan</a:t>
+            </a:r>
+            <a:r>
+              <a:rPr lang="en-ID" dirty="0"/>
+              <a:t> data real-time </a:t>
+            </a:r>
+            <a:r>
+              <a:rPr lang="en-ID" dirty="0" err="1"/>
+              <a:t>untuk</a:t>
+            </a:r>
+            <a:r>
+              <a:rPr lang="en-ID" dirty="0"/>
+              <a:t> </a:t>
+            </a:r>
+            <a:r>
+              <a:rPr lang="en-ID" dirty="0" err="1"/>
+              <a:t>optimisasi</a:t>
+            </a:r>
+            <a:r>
+              <a:rPr lang="en-ID" dirty="0"/>
+              <a:t> proses </a:t>
+            </a:r>
+            <a:r>
+              <a:rPr lang="en-ID" dirty="0" err="1"/>
+              <a:t>bisnis</a:t>
+            </a:r>
+            <a:r>
+              <a:rPr lang="en-ID" dirty="0"/>
+              <a:t>.</a:t>
+            </a:r>
+          </a:p>
+          <a:p>
+            <a:pPr lvl="1"/>
+            <a:r>
+              <a:rPr lang="en-ID" dirty="0" err="1"/>
+              <a:t>Contoh</a:t>
+            </a:r>
+            <a:r>
+              <a:rPr lang="en-ID" dirty="0"/>
+              <a:t>: </a:t>
+            </a:r>
+            <a:r>
+              <a:rPr lang="en-ID" dirty="0" err="1"/>
+              <a:t>Pemantauan</a:t>
+            </a:r>
+            <a:r>
+              <a:rPr lang="en-ID" dirty="0"/>
+              <a:t> </a:t>
+            </a:r>
+            <a:r>
+              <a:rPr lang="en-ID" dirty="0" err="1"/>
+              <a:t>rantai</a:t>
+            </a:r>
+            <a:r>
+              <a:rPr lang="en-ID" dirty="0"/>
+              <a:t> </a:t>
+            </a:r>
+            <a:r>
+              <a:rPr lang="en-ID" dirty="0" err="1"/>
+              <a:t>pasokan</a:t>
+            </a:r>
+            <a:r>
+              <a:rPr lang="en-ID" dirty="0"/>
+              <a:t> </a:t>
+            </a:r>
+            <a:r>
+              <a:rPr lang="en-ID" dirty="0" err="1"/>
+              <a:t>secara</a:t>
+            </a:r>
+            <a:r>
+              <a:rPr lang="en-ID" dirty="0"/>
+              <a:t> </a:t>
+            </a:r>
+            <a:r>
+              <a:rPr lang="en-ID" dirty="0" err="1"/>
+              <a:t>langsung</a:t>
+            </a:r>
+            <a:r>
+              <a:rPr lang="en-ID" dirty="0"/>
+              <a:t>.</a:t>
+            </a:r>
+          </a:p>
+          <a:p>
+            <a:pPr marL="0" indent="0">
+              <a:buNone/>
+            </a:pPr>
+            <a:r>
+              <a:rPr lang="en-ID" b="1" dirty="0" err="1"/>
+              <a:t>Inovasi</a:t>
+            </a:r>
+            <a:r>
+              <a:rPr lang="en-ID" b="1" dirty="0"/>
+              <a:t> </a:t>
+            </a:r>
+            <a:r>
+              <a:rPr lang="en-ID" b="1" dirty="0" err="1"/>
+              <a:t>Produk</a:t>
+            </a:r>
+            <a:endParaRPr lang="en-ID" dirty="0"/>
+          </a:p>
+          <a:p>
+            <a:pPr lvl="1"/>
+            <a:r>
+              <a:rPr lang="en-ID" dirty="0" err="1"/>
+              <a:t>Mengidentifikasi</a:t>
+            </a:r>
+            <a:r>
+              <a:rPr lang="en-ID" dirty="0"/>
+              <a:t> </a:t>
+            </a:r>
+            <a:r>
+              <a:rPr lang="en-ID" dirty="0" err="1"/>
+              <a:t>kebutuhan</a:t>
+            </a:r>
+            <a:r>
+              <a:rPr lang="en-ID" dirty="0"/>
+              <a:t> </a:t>
+            </a:r>
+            <a:r>
+              <a:rPr lang="en-ID" dirty="0" err="1"/>
+              <a:t>pelanggan</a:t>
+            </a:r>
+            <a:r>
+              <a:rPr lang="en-ID" dirty="0"/>
+              <a:t> </a:t>
+            </a:r>
+            <a:r>
+              <a:rPr lang="en-ID" dirty="0" err="1"/>
+              <a:t>baru</a:t>
+            </a:r>
+            <a:r>
+              <a:rPr lang="en-ID" dirty="0"/>
+              <a:t> </a:t>
+            </a:r>
+            <a:r>
+              <a:rPr lang="en-ID" dirty="0" err="1"/>
+              <a:t>berdasarkan</a:t>
+            </a:r>
+            <a:r>
+              <a:rPr lang="en-ID" dirty="0"/>
+              <a:t> </a:t>
+            </a:r>
+            <a:r>
+              <a:rPr lang="en-ID" dirty="0" err="1"/>
+              <a:t>analisis</a:t>
+            </a:r>
+            <a:r>
+              <a:rPr lang="en-ID" dirty="0"/>
+              <a:t> data </a:t>
+            </a:r>
+            <a:r>
+              <a:rPr lang="en-ID" dirty="0" err="1"/>
+              <a:t>besar</a:t>
+            </a:r>
+            <a:r>
+              <a:rPr lang="en-ID" dirty="0"/>
+              <a:t>.</a:t>
+            </a:r>
+          </a:p>
+          <a:p>
+            <a:pPr lvl="1"/>
+            <a:r>
+              <a:rPr lang="en-ID" dirty="0" err="1"/>
+              <a:t>Contoh</a:t>
+            </a:r>
+            <a:r>
+              <a:rPr lang="en-ID" dirty="0"/>
+              <a:t>: Desain </a:t>
+            </a:r>
+            <a:r>
+              <a:rPr lang="en-ID" dirty="0" err="1"/>
+              <a:t>produk</a:t>
+            </a:r>
+            <a:r>
+              <a:rPr lang="en-ID" dirty="0"/>
+              <a:t> </a:t>
+            </a:r>
+            <a:r>
+              <a:rPr lang="en-ID" dirty="0" err="1"/>
+              <a:t>baru</a:t>
+            </a:r>
+            <a:r>
+              <a:rPr lang="en-ID" dirty="0"/>
+              <a:t> </a:t>
+            </a:r>
+            <a:r>
+              <a:rPr lang="en-ID" dirty="0" err="1"/>
+              <a:t>berdasarkan</a:t>
+            </a:r>
+            <a:r>
+              <a:rPr lang="en-ID" dirty="0"/>
+              <a:t> </a:t>
+            </a:r>
+            <a:r>
+              <a:rPr lang="en-ID" dirty="0" err="1"/>
+              <a:t>tren</a:t>
+            </a:r>
+            <a:r>
+              <a:rPr lang="en-ID" dirty="0"/>
+              <a:t> pasar.</a:t>
+            </a:r>
+          </a:p>
+          <a:p>
+            <a:endParaRPr lang="en-US" dirty="0"/>
+          </a:p>
+        </p:txBody>
+      </p:sp>
+    </p:spTree>
+    <p:extLst>
+      <p:ext uri="{BB962C8B-B14F-4D97-AF65-F5344CB8AC3E}">
+        <p14:creationId xmlns:p14="http://schemas.microsoft.com/office/powerpoint/2010/main" val="1120676461"/>
+      </p:ext>
+    </p:extLst>
+  </p:cSld>
+  <p:clrMapOvr>
+    <a:masterClrMapping/>
+  </p:clrMapOvr>
+</p:sld>
+</file>
+
+<file path=ppt/slides/slide7.xml><?xml version="1.0" encoding="utf-8"?>
+<p:sld xmlns:a="http://schemas.openxmlformats.org/drawingml/2006/main" xmlns:r="http://schemas.openxmlformats.org/officeDocument/2006/relationships" xmlns:p="http://schemas.openxmlformats.org/presentationml/2006/main">
+  <p:cSld>
+    <p:spTree>
+      <p:nvGrpSpPr>
+        <p:cNvPr id="1" name=""/>
+        <p:cNvGrpSpPr/>
+        <p:nvPr/>
+      </p:nvGrpSpPr>
+      <p:grpSpPr>
+        <a:xfrm>
+          <a:off x="0" y="0"/>
+          <a:ext cx="0" cy="0"/>
+          <a:chOff x="0" y="0"/>
+          <a:chExt cx="0" cy="0"/>
+        </a:xfrm>
+      </p:grpSpPr>
+      <p:sp>
+        <p:nvSpPr>
+          <p:cNvPr id="2" name="Title 1">
+            <a:extLst>
+              <a:ext uri="{FF2B5EF4-FFF2-40B4-BE49-F238E27FC236}">
                 <a16:creationId xmlns:a16="http://schemas.microsoft.com/office/drawing/2014/main" id="{0EFAB0DD-BE84-3BE6-5A95-60A29CFF7A72}"/>
               </a:ext>
             </a:extLst>
@@ -5619,6 +6577,1060 @@
     <p:extLst>
       <p:ext uri="{BB962C8B-B14F-4D97-AF65-F5344CB8AC3E}">
         <p14:creationId xmlns:p14="http://schemas.microsoft.com/office/powerpoint/2010/main" val="1649630618"/>
+      </p:ext>
+    </p:extLst>
+  </p:cSld>
+  <p:clrMapOvr>
+    <a:masterClrMapping/>
+  </p:clrMapOvr>
+</p:sld>
+</file>
+
+<file path=ppt/slides/slide8.xml><?xml version="1.0" encoding="utf-8"?>
+<p:sld xmlns:a="http://schemas.openxmlformats.org/drawingml/2006/main" xmlns:r="http://schemas.openxmlformats.org/officeDocument/2006/relationships" xmlns:p="http://schemas.openxmlformats.org/presentationml/2006/main">
+  <p:cSld>
+    <p:spTree>
+      <p:nvGrpSpPr>
+        <p:cNvPr id="1" name=""/>
+        <p:cNvGrpSpPr/>
+        <p:nvPr/>
+      </p:nvGrpSpPr>
+      <p:grpSpPr>
+        <a:xfrm>
+          <a:off x="0" y="0"/>
+          <a:ext cx="0" cy="0"/>
+          <a:chOff x="0" y="0"/>
+          <a:chExt cx="0" cy="0"/>
+        </a:xfrm>
+      </p:grpSpPr>
+      <p:sp>
+        <p:nvSpPr>
+          <p:cNvPr id="2" name="Title 1">
+            <a:extLst>
+              <a:ext uri="{FF2B5EF4-FFF2-40B4-BE49-F238E27FC236}">
+                <a16:creationId xmlns:a16="http://schemas.microsoft.com/office/drawing/2014/main" id="{395FB013-2DBB-7C12-4A6C-0CD6E34DE603}"/>
+              </a:ext>
+            </a:extLst>
+          </p:cNvPr>
+          <p:cNvSpPr>
+            <a:spLocks noGrp="1"/>
+          </p:cNvSpPr>
+          <p:nvPr>
+            <p:ph type="title"/>
+          </p:nvPr>
+        </p:nvSpPr>
+        <p:spPr/>
+        <p:txBody>
+          <a:bodyPr/>
+          <a:lstStyle/>
+          <a:p>
+            <a:r>
+              <a:rPr lang="en-ID" dirty="0" err="1"/>
+              <a:t>Hubungan</a:t>
+            </a:r>
+            <a:r>
+              <a:rPr lang="en-ID" dirty="0"/>
+              <a:t> Utama BI dan Big Data</a:t>
+            </a:r>
+            <a:endParaRPr lang="en-US" dirty="0"/>
+          </a:p>
+        </p:txBody>
+      </p:sp>
+      <p:sp>
+        <p:nvSpPr>
+          <p:cNvPr id="3" name="Content Placeholder 2">
+            <a:extLst>
+              <a:ext uri="{FF2B5EF4-FFF2-40B4-BE49-F238E27FC236}">
+                <a16:creationId xmlns:a16="http://schemas.microsoft.com/office/drawing/2014/main" id="{4176F135-7631-4098-8934-18BBBE1438D9}"/>
+              </a:ext>
+            </a:extLst>
+          </p:cNvPr>
+          <p:cNvSpPr>
+            <a:spLocks noGrp="1"/>
+          </p:cNvSpPr>
+          <p:nvPr>
+            <p:ph idx="1"/>
+          </p:nvPr>
+        </p:nvSpPr>
+        <p:spPr/>
+        <p:txBody>
+          <a:bodyPr>
+            <a:normAutofit fontScale="92500" lnSpcReduction="10000"/>
+          </a:bodyPr>
+          <a:lstStyle/>
+          <a:p>
+            <a:r>
+              <a:rPr lang="en-ID" dirty="0"/>
+              <a:t>Big Data </a:t>
+            </a:r>
+            <a:r>
+              <a:rPr lang="en-ID" dirty="0" err="1"/>
+              <a:t>sebagai</a:t>
+            </a:r>
+            <a:r>
+              <a:rPr lang="en-ID" dirty="0"/>
+              <a:t> </a:t>
+            </a:r>
+            <a:r>
+              <a:rPr lang="en-ID" dirty="0" err="1"/>
+              <a:t>Sumber</a:t>
+            </a:r>
+            <a:r>
+              <a:rPr lang="en-ID" dirty="0"/>
+              <a:t> Data BI</a:t>
+            </a:r>
+          </a:p>
+          <a:p>
+            <a:r>
+              <a:rPr lang="en-ID" dirty="0"/>
+              <a:t>BI </a:t>
+            </a:r>
+            <a:r>
+              <a:rPr lang="en-ID" dirty="0" err="1"/>
+              <a:t>Membuat</a:t>
+            </a:r>
+            <a:r>
+              <a:rPr lang="en-ID" dirty="0"/>
+              <a:t> Big Data </a:t>
+            </a:r>
+            <a:r>
+              <a:rPr lang="en-ID" dirty="0" err="1"/>
+              <a:t>Lebih</a:t>
+            </a:r>
+            <a:r>
+              <a:rPr lang="en-ID" dirty="0"/>
+              <a:t> </a:t>
+            </a:r>
+            <a:r>
+              <a:rPr lang="en-ID" dirty="0" err="1"/>
+              <a:t>Berguna</a:t>
+            </a:r>
+            <a:endParaRPr lang="en-ID" dirty="0"/>
+          </a:p>
+          <a:p>
+            <a:r>
+              <a:rPr lang="en-ID" dirty="0" err="1"/>
+              <a:t>Penggunaan</a:t>
+            </a:r>
+            <a:r>
+              <a:rPr lang="en-ID" dirty="0"/>
+              <a:t> Bersama </a:t>
+            </a:r>
+            <a:r>
+              <a:rPr lang="en-ID" dirty="0" err="1"/>
+              <a:t>dalam</a:t>
+            </a:r>
+            <a:r>
+              <a:rPr lang="en-ID" dirty="0"/>
+              <a:t> </a:t>
+            </a:r>
+            <a:r>
+              <a:rPr lang="en-ID" i="1" dirty="0"/>
+              <a:t>Real-Time Decision Making</a:t>
+            </a:r>
+          </a:p>
+          <a:p>
+            <a:pPr lvl="1"/>
+            <a:r>
+              <a:rPr lang="en-ID" dirty="0"/>
+              <a:t>Big Data </a:t>
+            </a:r>
+            <a:r>
+              <a:rPr lang="en-ID" dirty="0" err="1"/>
+              <a:t>sering</a:t>
+            </a:r>
+            <a:r>
+              <a:rPr lang="en-ID" dirty="0"/>
+              <a:t> </a:t>
+            </a:r>
+            <a:r>
+              <a:rPr lang="en-ID" dirty="0" err="1"/>
+              <a:t>digunakan</a:t>
+            </a:r>
+            <a:r>
+              <a:rPr lang="en-ID" dirty="0"/>
+              <a:t> </a:t>
+            </a:r>
+            <a:r>
+              <a:rPr lang="en-ID" dirty="0" err="1"/>
+              <a:t>untuk</a:t>
+            </a:r>
+            <a:r>
+              <a:rPr lang="en-ID" dirty="0"/>
+              <a:t> </a:t>
+            </a:r>
+            <a:r>
+              <a:rPr lang="en-ID" dirty="0" err="1"/>
+              <a:t>analisis</a:t>
+            </a:r>
+            <a:r>
+              <a:rPr lang="en-ID" dirty="0"/>
+              <a:t> real-time. BI, yang </a:t>
+            </a:r>
+            <a:r>
+              <a:rPr lang="en-ID" dirty="0" err="1"/>
+              <a:t>biasanya</a:t>
+            </a:r>
+            <a:r>
+              <a:rPr lang="en-ID" dirty="0"/>
+              <a:t> </a:t>
+            </a:r>
+            <a:r>
+              <a:rPr lang="en-ID" dirty="0" err="1"/>
+              <a:t>berfokus</a:t>
+            </a:r>
+            <a:r>
+              <a:rPr lang="en-ID" dirty="0"/>
+              <a:t> pada </a:t>
+            </a:r>
+            <a:r>
+              <a:rPr lang="en-ID" dirty="0" err="1"/>
+              <a:t>analisis</a:t>
+            </a:r>
+            <a:r>
+              <a:rPr lang="en-ID" dirty="0"/>
+              <a:t> data </a:t>
+            </a:r>
+            <a:r>
+              <a:rPr lang="en-ID" dirty="0" err="1"/>
+              <a:t>historis</a:t>
+            </a:r>
+            <a:r>
+              <a:rPr lang="en-ID" dirty="0"/>
+              <a:t>, </a:t>
+            </a:r>
+            <a:r>
+              <a:rPr lang="en-ID" dirty="0" err="1"/>
+              <a:t>kini</a:t>
+            </a:r>
+            <a:r>
+              <a:rPr lang="en-ID" dirty="0"/>
+              <a:t> </a:t>
+            </a:r>
+            <a:r>
+              <a:rPr lang="en-ID" dirty="0" err="1"/>
+              <a:t>telah</a:t>
+            </a:r>
+            <a:r>
+              <a:rPr lang="en-ID" dirty="0"/>
+              <a:t> </a:t>
+            </a:r>
+            <a:r>
+              <a:rPr lang="en-ID" dirty="0" err="1"/>
+              <a:t>berkembang</a:t>
+            </a:r>
+            <a:r>
+              <a:rPr lang="en-ID" dirty="0"/>
+              <a:t> </a:t>
+            </a:r>
+            <a:r>
+              <a:rPr lang="en-ID" dirty="0" err="1"/>
+              <a:t>untuk</a:t>
+            </a:r>
+            <a:r>
+              <a:rPr lang="en-ID" dirty="0"/>
+              <a:t> </a:t>
+            </a:r>
+            <a:r>
+              <a:rPr lang="en-ID" dirty="0" err="1"/>
+              <a:t>mendukung</a:t>
+            </a:r>
+            <a:r>
+              <a:rPr lang="en-ID" dirty="0"/>
+              <a:t> </a:t>
+            </a:r>
+            <a:r>
+              <a:rPr lang="en-ID" dirty="0" err="1"/>
+              <a:t>analitik</a:t>
+            </a:r>
+            <a:r>
+              <a:rPr lang="en-ID" dirty="0"/>
+              <a:t> real-time </a:t>
+            </a:r>
+            <a:r>
+              <a:rPr lang="en-ID" dirty="0" err="1"/>
+              <a:t>dengan</a:t>
+            </a:r>
+            <a:r>
+              <a:rPr lang="en-ID" dirty="0"/>
+              <a:t> </a:t>
+            </a:r>
+            <a:r>
+              <a:rPr lang="en-ID" dirty="0" err="1"/>
+              <a:t>integrasi</a:t>
+            </a:r>
+            <a:r>
+              <a:rPr lang="en-ID" dirty="0"/>
+              <a:t> Big Data.</a:t>
+            </a:r>
+          </a:p>
+          <a:p>
+            <a:pPr lvl="1"/>
+            <a:r>
+              <a:rPr lang="en-ID" dirty="0" err="1"/>
+              <a:t>Contoh</a:t>
+            </a:r>
+            <a:r>
+              <a:rPr lang="en-ID" dirty="0"/>
+              <a:t>: </a:t>
+            </a:r>
+            <a:r>
+              <a:rPr lang="en-ID" dirty="0" err="1"/>
+              <a:t>Sistem</a:t>
+            </a:r>
+            <a:r>
+              <a:rPr lang="en-ID" dirty="0"/>
+              <a:t> BI </a:t>
+            </a:r>
+            <a:r>
+              <a:rPr lang="en-ID" dirty="0" err="1"/>
+              <a:t>untuk</a:t>
+            </a:r>
+            <a:r>
+              <a:rPr lang="en-ID" dirty="0"/>
+              <a:t> e-commerce </a:t>
+            </a:r>
+            <a:r>
+              <a:rPr lang="en-ID" dirty="0" err="1"/>
+              <a:t>menggunakan</a:t>
+            </a:r>
+            <a:r>
+              <a:rPr lang="en-ID" dirty="0"/>
+              <a:t> data Big Data </a:t>
+            </a:r>
+            <a:r>
+              <a:rPr lang="en-ID" dirty="0" err="1"/>
+              <a:t>dari</a:t>
+            </a:r>
+            <a:r>
+              <a:rPr lang="en-ID" dirty="0"/>
+              <a:t> </a:t>
+            </a:r>
+            <a:r>
+              <a:rPr lang="en-ID" dirty="0" err="1"/>
+              <a:t>perilaku</a:t>
+            </a:r>
+            <a:r>
+              <a:rPr lang="en-ID" dirty="0"/>
+              <a:t> </a:t>
+            </a:r>
+            <a:r>
+              <a:rPr lang="en-ID" dirty="0" err="1"/>
+              <a:t>pelanggan</a:t>
+            </a:r>
+            <a:r>
+              <a:rPr lang="en-ID" dirty="0"/>
+              <a:t> </a:t>
+            </a:r>
+            <a:r>
+              <a:rPr lang="en-ID" dirty="0" err="1"/>
+              <a:t>secara</a:t>
+            </a:r>
+            <a:r>
+              <a:rPr lang="en-ID" dirty="0"/>
+              <a:t> real-time </a:t>
+            </a:r>
+            <a:r>
+              <a:rPr lang="en-ID" dirty="0" err="1"/>
+              <a:t>untuk</a:t>
+            </a:r>
+            <a:r>
+              <a:rPr lang="en-ID" dirty="0"/>
+              <a:t> </a:t>
+            </a:r>
+            <a:r>
+              <a:rPr lang="en-ID" dirty="0" err="1"/>
+              <a:t>menawarkan</a:t>
+            </a:r>
+            <a:r>
+              <a:rPr lang="en-ID" dirty="0"/>
+              <a:t> </a:t>
+            </a:r>
+            <a:r>
+              <a:rPr lang="en-ID" dirty="0" err="1"/>
+              <a:t>rekomendasi</a:t>
+            </a:r>
+            <a:r>
+              <a:rPr lang="en-ID" dirty="0"/>
+              <a:t> </a:t>
+            </a:r>
+            <a:r>
+              <a:rPr lang="en-ID" dirty="0" err="1"/>
+              <a:t>produk</a:t>
+            </a:r>
+            <a:r>
+              <a:rPr lang="en-ID" dirty="0"/>
+              <a:t>.</a:t>
+            </a:r>
+          </a:p>
+          <a:p>
+            <a:r>
+              <a:rPr lang="en-ID" dirty="0" err="1"/>
+              <a:t>Keterkaitan</a:t>
+            </a:r>
+            <a:r>
+              <a:rPr lang="en-ID" dirty="0"/>
+              <a:t> </a:t>
+            </a:r>
+            <a:r>
+              <a:rPr lang="en-ID" dirty="0" err="1"/>
+              <a:t>Teknologi</a:t>
+            </a:r>
+            <a:endParaRPr lang="en-ID" dirty="0"/>
+          </a:p>
+          <a:p>
+            <a:pPr lvl="1"/>
+            <a:r>
+              <a:rPr lang="en-ID" b="1" dirty="0"/>
+              <a:t>Data Warehousing:</a:t>
+            </a:r>
+            <a:r>
+              <a:rPr lang="en-ID" dirty="0"/>
+              <a:t> </a:t>
+            </a:r>
+            <a:r>
+              <a:rPr lang="en-ID" dirty="0" err="1"/>
+              <a:t>Untuk</a:t>
+            </a:r>
+            <a:r>
+              <a:rPr lang="en-ID" dirty="0"/>
+              <a:t> </a:t>
+            </a:r>
+            <a:r>
+              <a:rPr lang="en-ID" dirty="0" err="1"/>
+              <a:t>mengintegrasikan</a:t>
+            </a:r>
+            <a:r>
+              <a:rPr lang="en-ID" dirty="0"/>
+              <a:t> data Big Data </a:t>
+            </a:r>
+            <a:r>
+              <a:rPr lang="en-ID" dirty="0" err="1"/>
+              <a:t>ke</a:t>
+            </a:r>
+            <a:r>
+              <a:rPr lang="en-ID" dirty="0"/>
+              <a:t> </a:t>
+            </a:r>
+            <a:r>
+              <a:rPr lang="en-ID" dirty="0" err="1"/>
+              <a:t>dalam</a:t>
+            </a:r>
+            <a:r>
+              <a:rPr lang="en-ID" dirty="0"/>
+              <a:t> </a:t>
+            </a:r>
+            <a:r>
+              <a:rPr lang="en-ID" dirty="0" err="1"/>
+              <a:t>sistem</a:t>
+            </a:r>
+            <a:r>
+              <a:rPr lang="en-ID" dirty="0"/>
+              <a:t> BI.</a:t>
+            </a:r>
+          </a:p>
+          <a:p>
+            <a:pPr lvl="1"/>
+            <a:r>
+              <a:rPr lang="en-ID" b="1" dirty="0"/>
+              <a:t>Data Analytics Tools:</a:t>
+            </a:r>
+            <a:r>
+              <a:rPr lang="en-ID" dirty="0"/>
+              <a:t> Alat </a:t>
+            </a:r>
+            <a:r>
+              <a:rPr lang="en-ID" dirty="0" err="1"/>
+              <a:t>seperti</a:t>
+            </a:r>
+            <a:r>
+              <a:rPr lang="en-ID" dirty="0"/>
+              <a:t> Hadoop, Spark (</a:t>
+            </a:r>
+            <a:r>
+              <a:rPr lang="en-ID" dirty="0" err="1"/>
+              <a:t>untuk</a:t>
+            </a:r>
+            <a:r>
+              <a:rPr lang="en-ID" dirty="0"/>
+              <a:t> Big Data), dan Power BI </a:t>
+            </a:r>
+            <a:r>
+              <a:rPr lang="en-ID" dirty="0" err="1"/>
+              <a:t>atau</a:t>
+            </a:r>
+            <a:r>
+              <a:rPr lang="en-ID" dirty="0"/>
+              <a:t> Tableau (</a:t>
+            </a:r>
+            <a:r>
+              <a:rPr lang="en-ID" dirty="0" err="1"/>
+              <a:t>untuk</a:t>
+            </a:r>
+            <a:r>
+              <a:rPr lang="en-ID" dirty="0"/>
+              <a:t> BI)</a:t>
+            </a:r>
+          </a:p>
+          <a:p>
+            <a:pPr lvl="1"/>
+            <a:endParaRPr lang="en-US" dirty="0"/>
+          </a:p>
+        </p:txBody>
+      </p:sp>
+    </p:spTree>
+    <p:extLst>
+      <p:ext uri="{BB962C8B-B14F-4D97-AF65-F5344CB8AC3E}">
+        <p14:creationId xmlns:p14="http://schemas.microsoft.com/office/powerpoint/2010/main" val="666596967"/>
+      </p:ext>
+    </p:extLst>
+  </p:cSld>
+  <p:clrMapOvr>
+    <a:masterClrMapping/>
+  </p:clrMapOvr>
+</p:sld>
+</file>
+
+<file path=ppt/slides/slide9.xml><?xml version="1.0" encoding="utf-8"?>
+<p:sld xmlns:a="http://schemas.openxmlformats.org/drawingml/2006/main" xmlns:r="http://schemas.openxmlformats.org/officeDocument/2006/relationships" xmlns:p="http://schemas.openxmlformats.org/presentationml/2006/main">
+  <p:cSld>
+    <p:spTree>
+      <p:nvGrpSpPr>
+        <p:cNvPr id="1" name=""/>
+        <p:cNvGrpSpPr/>
+        <p:nvPr/>
+      </p:nvGrpSpPr>
+      <p:grpSpPr>
+        <a:xfrm>
+          <a:off x="0" y="0"/>
+          <a:ext cx="0" cy="0"/>
+          <a:chOff x="0" y="0"/>
+          <a:chExt cx="0" cy="0"/>
+        </a:xfrm>
+      </p:grpSpPr>
+      <p:sp>
+        <p:nvSpPr>
+          <p:cNvPr id="2" name="Title 1">
+            <a:extLst>
+              <a:ext uri="{FF2B5EF4-FFF2-40B4-BE49-F238E27FC236}">
+                <a16:creationId xmlns:a16="http://schemas.microsoft.com/office/drawing/2014/main" id="{012869DC-019C-211C-D918-341DEB42FBA6}"/>
+              </a:ext>
+            </a:extLst>
+          </p:cNvPr>
+          <p:cNvSpPr>
+            <a:spLocks noGrp="1"/>
+          </p:cNvSpPr>
+          <p:nvPr>
+            <p:ph type="title"/>
+          </p:nvPr>
+        </p:nvSpPr>
+        <p:spPr/>
+        <p:txBody>
+          <a:bodyPr/>
+          <a:lstStyle/>
+          <a:p>
+            <a:r>
+              <a:rPr lang="en-ID" b="1" dirty="0" err="1"/>
+              <a:t>Contoh</a:t>
+            </a:r>
+            <a:r>
+              <a:rPr lang="en-ID" b="1" dirty="0"/>
+              <a:t> </a:t>
+            </a:r>
+            <a:r>
+              <a:rPr lang="en-ID" b="1" dirty="0" err="1"/>
+              <a:t>Implementasi</a:t>
+            </a:r>
+            <a:endParaRPr lang="en-US" dirty="0"/>
+          </a:p>
+        </p:txBody>
+      </p:sp>
+      <p:sp>
+        <p:nvSpPr>
+          <p:cNvPr id="3" name="Content Placeholder 2">
+            <a:extLst>
+              <a:ext uri="{FF2B5EF4-FFF2-40B4-BE49-F238E27FC236}">
+                <a16:creationId xmlns:a16="http://schemas.microsoft.com/office/drawing/2014/main" id="{1633E635-838C-BD12-06B1-8E00DF98E81D}"/>
+              </a:ext>
+            </a:extLst>
+          </p:cNvPr>
+          <p:cNvSpPr>
+            <a:spLocks noGrp="1"/>
+          </p:cNvSpPr>
+          <p:nvPr>
+            <p:ph idx="1"/>
+          </p:nvPr>
+        </p:nvSpPr>
+        <p:spPr/>
+        <p:txBody>
+          <a:bodyPr>
+            <a:normAutofit lnSpcReduction="10000"/>
+          </a:bodyPr>
+          <a:lstStyle/>
+          <a:p>
+            <a:r>
+              <a:rPr lang="en-ID" b="1" dirty="0"/>
+              <a:t>E-Commerce:</a:t>
+            </a:r>
+            <a:endParaRPr lang="en-ID" dirty="0"/>
+          </a:p>
+          <a:p>
+            <a:pPr lvl="1"/>
+            <a:r>
+              <a:rPr lang="en-ID" b="1" dirty="0"/>
+              <a:t>Big Data:</a:t>
+            </a:r>
+            <a:r>
+              <a:rPr lang="en-ID" dirty="0"/>
+              <a:t> </a:t>
+            </a:r>
+            <a:r>
+              <a:rPr lang="en-ID" dirty="0" err="1"/>
+              <a:t>Melacak</a:t>
+            </a:r>
+            <a:r>
+              <a:rPr lang="en-ID" dirty="0"/>
+              <a:t> </a:t>
+            </a:r>
+            <a:r>
+              <a:rPr lang="en-ID" dirty="0" err="1"/>
+              <a:t>klik</a:t>
+            </a:r>
+            <a:r>
+              <a:rPr lang="en-ID" dirty="0"/>
+              <a:t> </a:t>
+            </a:r>
+            <a:r>
+              <a:rPr lang="en-ID" dirty="0" err="1"/>
+              <a:t>pelanggan</a:t>
+            </a:r>
+            <a:r>
+              <a:rPr lang="en-ID" dirty="0"/>
+              <a:t>, </a:t>
+            </a:r>
+            <a:r>
+              <a:rPr lang="en-ID" dirty="0" err="1"/>
+              <a:t>histori</a:t>
+            </a:r>
+            <a:r>
+              <a:rPr lang="en-ID" dirty="0"/>
+              <a:t> </a:t>
+            </a:r>
+            <a:r>
+              <a:rPr lang="en-ID" dirty="0" err="1"/>
+              <a:t>belanja</a:t>
+            </a:r>
+            <a:r>
+              <a:rPr lang="en-ID" dirty="0"/>
+              <a:t>, dan </a:t>
+            </a:r>
+            <a:r>
+              <a:rPr lang="en-ID" dirty="0" err="1"/>
+              <a:t>ulasan</a:t>
+            </a:r>
+            <a:r>
+              <a:rPr lang="en-ID" dirty="0"/>
+              <a:t> </a:t>
+            </a:r>
+            <a:r>
+              <a:rPr lang="en-ID" dirty="0" err="1"/>
+              <a:t>produk</a:t>
+            </a:r>
+            <a:r>
+              <a:rPr lang="en-ID" dirty="0"/>
+              <a:t>.</a:t>
+            </a:r>
+          </a:p>
+          <a:p>
+            <a:pPr lvl="1"/>
+            <a:r>
+              <a:rPr lang="en-ID" b="1" dirty="0"/>
+              <a:t>BI:</a:t>
+            </a:r>
+            <a:r>
+              <a:rPr lang="en-ID" dirty="0"/>
+              <a:t> </a:t>
+            </a:r>
+            <a:r>
+              <a:rPr lang="en-ID" dirty="0" err="1"/>
+              <a:t>Mengolah</a:t>
+            </a:r>
+            <a:r>
+              <a:rPr lang="en-ID" dirty="0"/>
+              <a:t> data </a:t>
+            </a:r>
+            <a:r>
+              <a:rPr lang="en-ID" dirty="0" err="1"/>
+              <a:t>tersebut</a:t>
+            </a:r>
+            <a:r>
+              <a:rPr lang="en-ID" dirty="0"/>
+              <a:t> </a:t>
+            </a:r>
+            <a:r>
+              <a:rPr lang="en-ID" dirty="0" err="1"/>
+              <a:t>untuk</a:t>
+            </a:r>
+            <a:r>
+              <a:rPr lang="en-ID" dirty="0"/>
+              <a:t> </a:t>
+            </a:r>
+            <a:r>
+              <a:rPr lang="en-ID" dirty="0" err="1"/>
+              <a:t>membuat</a:t>
+            </a:r>
+            <a:r>
+              <a:rPr lang="en-ID" dirty="0"/>
+              <a:t> </a:t>
+            </a:r>
+            <a:r>
+              <a:rPr lang="en-ID" dirty="0" err="1"/>
+              <a:t>laporan</a:t>
+            </a:r>
+            <a:r>
+              <a:rPr lang="en-ID" dirty="0"/>
+              <a:t> </a:t>
+            </a:r>
+            <a:r>
+              <a:rPr lang="en-ID" dirty="0" err="1"/>
+              <a:t>seperti</a:t>
+            </a:r>
+            <a:r>
+              <a:rPr lang="en-ID" dirty="0"/>
+              <a:t> </a:t>
+            </a:r>
+            <a:r>
+              <a:rPr lang="en-ID" dirty="0" err="1"/>
+              <a:t>tren</a:t>
+            </a:r>
+            <a:r>
+              <a:rPr lang="en-ID" dirty="0"/>
+              <a:t> </a:t>
+            </a:r>
+            <a:r>
+              <a:rPr lang="en-ID" dirty="0" err="1"/>
+              <a:t>pembelian</a:t>
+            </a:r>
+            <a:r>
+              <a:rPr lang="en-ID" dirty="0"/>
+              <a:t>, </a:t>
+            </a:r>
+            <a:r>
+              <a:rPr lang="en-ID" dirty="0" err="1"/>
+              <a:t>segmentasi</a:t>
+            </a:r>
+            <a:r>
+              <a:rPr lang="en-ID" dirty="0"/>
+              <a:t> </a:t>
+            </a:r>
+            <a:r>
+              <a:rPr lang="en-ID" dirty="0" err="1"/>
+              <a:t>pelanggan</a:t>
+            </a:r>
+            <a:r>
+              <a:rPr lang="en-ID" dirty="0"/>
+              <a:t>, dan </a:t>
+            </a:r>
+            <a:r>
+              <a:rPr lang="en-ID" dirty="0" err="1"/>
+              <a:t>prediksi</a:t>
+            </a:r>
+            <a:r>
+              <a:rPr lang="en-ID" dirty="0"/>
+              <a:t> </a:t>
+            </a:r>
+            <a:r>
+              <a:rPr lang="en-ID" dirty="0" err="1"/>
+              <a:t>produk</a:t>
+            </a:r>
+            <a:r>
+              <a:rPr lang="en-ID" dirty="0"/>
+              <a:t> yang </a:t>
+            </a:r>
+            <a:r>
+              <a:rPr lang="en-ID" dirty="0" err="1"/>
+              <a:t>akan</a:t>
+            </a:r>
+            <a:r>
+              <a:rPr lang="en-ID" dirty="0"/>
+              <a:t> </a:t>
+            </a:r>
+            <a:r>
+              <a:rPr lang="en-ID" dirty="0" err="1"/>
+              <a:t>laris</a:t>
+            </a:r>
+            <a:r>
+              <a:rPr lang="en-ID" dirty="0"/>
+              <a:t>.</a:t>
+            </a:r>
+          </a:p>
+          <a:p>
+            <a:r>
+              <a:rPr lang="en-ID" b="1" dirty="0" err="1"/>
+              <a:t>Perawatan</a:t>
+            </a:r>
+            <a:r>
+              <a:rPr lang="en-ID" b="1" dirty="0"/>
+              <a:t> Kesehatan:</a:t>
+            </a:r>
+            <a:endParaRPr lang="en-ID" dirty="0"/>
+          </a:p>
+          <a:p>
+            <a:pPr lvl="1"/>
+            <a:r>
+              <a:rPr lang="en-ID" b="1" dirty="0"/>
+              <a:t>Big Data:</a:t>
+            </a:r>
+            <a:r>
+              <a:rPr lang="en-ID" dirty="0"/>
+              <a:t> Data </a:t>
+            </a:r>
+            <a:r>
+              <a:rPr lang="en-ID" dirty="0" err="1"/>
+              <a:t>dari</a:t>
+            </a:r>
+            <a:r>
+              <a:rPr lang="en-ID" dirty="0"/>
+              <a:t> </a:t>
+            </a:r>
+            <a:r>
+              <a:rPr lang="en-ID" dirty="0" err="1"/>
+              <a:t>perangkat</a:t>
+            </a:r>
+            <a:r>
+              <a:rPr lang="en-ID" dirty="0"/>
+              <a:t> wearable </a:t>
+            </a:r>
+            <a:r>
+              <a:rPr lang="en-ID" dirty="0" err="1"/>
+              <a:t>atau</a:t>
+            </a:r>
+            <a:r>
+              <a:rPr lang="en-ID" dirty="0"/>
+              <a:t> sensor </a:t>
+            </a:r>
+            <a:r>
+              <a:rPr lang="en-ID" dirty="0" err="1"/>
+              <a:t>medis</a:t>
+            </a:r>
+            <a:r>
+              <a:rPr lang="en-ID" dirty="0"/>
+              <a:t>.</a:t>
+            </a:r>
+          </a:p>
+          <a:p>
+            <a:pPr lvl="1"/>
+            <a:r>
+              <a:rPr lang="en-ID" b="1" dirty="0"/>
+              <a:t>BI:</a:t>
+            </a:r>
+            <a:r>
+              <a:rPr lang="en-ID" dirty="0"/>
+              <a:t> </a:t>
+            </a:r>
+            <a:r>
+              <a:rPr lang="en-ID" dirty="0" err="1"/>
+              <a:t>Memberikan</a:t>
+            </a:r>
+            <a:r>
+              <a:rPr lang="en-ID" dirty="0"/>
+              <a:t> </a:t>
+            </a:r>
+            <a:r>
+              <a:rPr lang="en-ID" dirty="0" err="1"/>
+              <a:t>laporan</a:t>
+            </a:r>
+            <a:r>
+              <a:rPr lang="en-ID" dirty="0"/>
+              <a:t> </a:t>
+            </a:r>
+            <a:r>
+              <a:rPr lang="en-ID" dirty="0" err="1"/>
+              <a:t>tentang</a:t>
+            </a:r>
+            <a:r>
+              <a:rPr lang="en-ID" dirty="0"/>
+              <a:t> </a:t>
+            </a:r>
+            <a:r>
+              <a:rPr lang="en-ID" dirty="0" err="1"/>
+              <a:t>kesehatan</a:t>
+            </a:r>
+            <a:r>
+              <a:rPr lang="en-ID" dirty="0"/>
+              <a:t> </a:t>
+            </a:r>
+            <a:r>
+              <a:rPr lang="en-ID" dirty="0" err="1"/>
+              <a:t>pasien</a:t>
+            </a:r>
+            <a:r>
+              <a:rPr lang="en-ID" dirty="0"/>
+              <a:t>, </a:t>
+            </a:r>
+            <a:r>
+              <a:rPr lang="en-ID" dirty="0" err="1"/>
+              <a:t>prediksi</a:t>
+            </a:r>
+            <a:r>
+              <a:rPr lang="en-ID" dirty="0"/>
+              <a:t> </a:t>
+            </a:r>
+            <a:r>
+              <a:rPr lang="en-ID" dirty="0" err="1"/>
+              <a:t>penyakit</a:t>
+            </a:r>
+            <a:r>
+              <a:rPr lang="en-ID" dirty="0"/>
+              <a:t>, </a:t>
+            </a:r>
+            <a:r>
+              <a:rPr lang="en-ID" dirty="0" err="1"/>
+              <a:t>atau</a:t>
+            </a:r>
+            <a:r>
+              <a:rPr lang="en-ID" dirty="0"/>
+              <a:t> </a:t>
+            </a:r>
+            <a:r>
+              <a:rPr lang="en-ID" dirty="0" err="1"/>
+              <a:t>efisiensi</a:t>
+            </a:r>
+            <a:r>
+              <a:rPr lang="en-ID" dirty="0"/>
+              <a:t> </a:t>
+            </a:r>
+            <a:r>
+              <a:rPr lang="en-ID" dirty="0" err="1"/>
+              <a:t>rumah</a:t>
+            </a:r>
+            <a:r>
+              <a:rPr lang="en-ID" dirty="0"/>
+              <a:t> </a:t>
+            </a:r>
+            <a:r>
+              <a:rPr lang="en-ID" dirty="0" err="1"/>
+              <a:t>sakit</a:t>
+            </a:r>
+            <a:r>
+              <a:rPr lang="en-ID" dirty="0"/>
+              <a:t>.</a:t>
+            </a:r>
+          </a:p>
+          <a:p>
+            <a:r>
+              <a:rPr lang="en-ID" b="1" dirty="0" err="1"/>
+              <a:t>Manufaktur</a:t>
+            </a:r>
+            <a:r>
+              <a:rPr lang="en-ID" b="1" dirty="0"/>
+              <a:t>:</a:t>
+            </a:r>
+            <a:endParaRPr lang="en-ID" dirty="0"/>
+          </a:p>
+          <a:p>
+            <a:pPr lvl="1"/>
+            <a:r>
+              <a:rPr lang="en-ID" b="1" dirty="0"/>
+              <a:t>Big Data:</a:t>
+            </a:r>
+            <a:r>
+              <a:rPr lang="en-ID" dirty="0"/>
+              <a:t> Data sensor </a:t>
+            </a:r>
+            <a:r>
+              <a:rPr lang="en-ID" dirty="0" err="1"/>
+              <a:t>dari</a:t>
+            </a:r>
+            <a:r>
+              <a:rPr lang="en-ID" dirty="0"/>
+              <a:t> </a:t>
+            </a:r>
+            <a:r>
+              <a:rPr lang="en-ID" dirty="0" err="1"/>
+              <a:t>mesin</a:t>
+            </a:r>
+            <a:r>
+              <a:rPr lang="en-ID" dirty="0"/>
+              <a:t> (IoT).</a:t>
+            </a:r>
+          </a:p>
+          <a:p>
+            <a:pPr lvl="1"/>
+            <a:r>
+              <a:rPr lang="en-ID" b="1" dirty="0"/>
+              <a:t>BI:</a:t>
+            </a:r>
+            <a:r>
+              <a:rPr lang="en-ID" dirty="0"/>
+              <a:t> </a:t>
+            </a:r>
+            <a:r>
+              <a:rPr lang="en-ID" dirty="0" err="1"/>
+              <a:t>Analisis</a:t>
+            </a:r>
+            <a:r>
+              <a:rPr lang="en-ID" dirty="0"/>
+              <a:t> </a:t>
+            </a:r>
+            <a:r>
+              <a:rPr lang="en-ID" dirty="0" err="1"/>
+              <a:t>efisiensi</a:t>
+            </a:r>
+            <a:r>
+              <a:rPr lang="en-ID" dirty="0"/>
+              <a:t> </a:t>
+            </a:r>
+            <a:r>
+              <a:rPr lang="en-ID" dirty="0" err="1"/>
+              <a:t>produksi</a:t>
+            </a:r>
+            <a:r>
+              <a:rPr lang="en-ID" dirty="0"/>
+              <a:t> dan </a:t>
+            </a:r>
+            <a:r>
+              <a:rPr lang="en-ID" dirty="0" err="1"/>
+              <a:t>prediksi</a:t>
+            </a:r>
+            <a:r>
+              <a:rPr lang="en-ID" dirty="0"/>
+              <a:t> </a:t>
+            </a:r>
+            <a:r>
+              <a:rPr lang="en-ID" dirty="0" err="1"/>
+              <a:t>kebutuhan</a:t>
+            </a:r>
+            <a:r>
+              <a:rPr lang="en-ID" dirty="0"/>
+              <a:t> </a:t>
+            </a:r>
+            <a:r>
+              <a:rPr lang="en-ID" dirty="0" err="1"/>
+              <a:t>perawatan</a:t>
+            </a:r>
+            <a:r>
+              <a:rPr lang="en-ID" dirty="0"/>
+              <a:t> </a:t>
+            </a:r>
+            <a:r>
+              <a:rPr lang="en-ID" dirty="0" err="1"/>
+              <a:t>mesin</a:t>
+            </a:r>
+            <a:r>
+              <a:rPr lang="en-ID" dirty="0"/>
+              <a:t>.</a:t>
+            </a:r>
+          </a:p>
+          <a:p>
+            <a:endParaRPr lang="en-US" dirty="0"/>
+          </a:p>
+        </p:txBody>
+      </p:sp>
+    </p:spTree>
+    <p:extLst>
+      <p:ext uri="{BB962C8B-B14F-4D97-AF65-F5344CB8AC3E}">
+        <p14:creationId xmlns:p14="http://schemas.microsoft.com/office/powerpoint/2010/main" val="838695103"/>
       </p:ext>
     </p:extLst>
   </p:cSld>
